--- a/DOC/240914_상수.pptx
+++ b/DOC/240914_상수.pptx
@@ -14,6 +14,15 @@
     <p:sldId id="396" r:id="rId8"/>
     <p:sldId id="397" r:id="rId9"/>
     <p:sldId id="398" r:id="rId10"/>
+    <p:sldId id="403" r:id="rId11"/>
+    <p:sldId id="404" r:id="rId12"/>
+    <p:sldId id="405" r:id="rId13"/>
+    <p:sldId id="406" r:id="rId14"/>
+    <p:sldId id="407" r:id="rId15"/>
+    <p:sldId id="408" r:id="rId16"/>
+    <p:sldId id="409" r:id="rId17"/>
+    <p:sldId id="410" r:id="rId18"/>
+    <p:sldId id="411" r:id="rId19"/>
   </p:sldIdLst>
   <p:sldSz cx="12192000" cy="6858000"/>
   <p:notesSz cx="6858000" cy="9144000"/>
@@ -164,7 +173,7 @@
           <inkml:channelProperty channel="F" name="resolution" value="0" units="1/dev"/>
         </inkml:channelProperties>
       </inkml:inkSource>
-      <inkml:timestamp xml:id="ts0" timeString="2024-09-12T07:09:40.776"/>
+      <inkml:timestamp xml:id="ts0" timeString="2024-09-23T01:54:55.295"/>
     </inkml:context>
     <inkml:brush xml:id="br0">
       <inkml:brushProperty name="width" value="0.035" units="cm"/>
@@ -172,11 +181,207 @@
       <inkml:brushProperty name="color" value="#E71224"/>
     </inkml:brush>
   </inkml:definitions>
-  <inkml:trace contextRef="#ctx0" brushRef="#br0">0 0 24575</inkml:trace>
+  <inkml:trace contextRef="#ctx0" brushRef="#br0">0 0 24575,'29'0'0,"131"6"0,-138-3 0,0 0 0,0 2 0,-1 0 0,1 2 0,26 11 0,116 44 0,-10-5 0,328 125 0,-324-126 0,-57-17 0,50 17 0,124 30 0,356 62 0,-456-119 0,373 52 0,-516-77 0,352 24 0,-161-15 0,-5-1 0,610-13 0,-793 0 0,64-13 0,-22 2 0,-28 4 0,0-2 0,50-18 0,-21 5 0,14 0 0,86-26 0,60-30 0,-87 23 0,51-21 0,-121 35 0,-2-4 0,142-107 0,-203 139 0,163-107 0,-124 84 0,-22 18-59,16-8 219,-49 25-258,1 0 1,-1 0-1,1 0 0,-1 0 0,0 0 1,0 0-1,0-1 0,0 1 0,0-1 1,0 1-1,-1-1 0,1 0 0,-1 0 1,1-3-1,0-4-6728</inkml:trace>
 </inkml:ink>
 </file>
 
 <file path=ppt/ink/ink11.xml><?xml version="1.0" encoding="utf-8"?>
+<inkml:ink xmlns:inkml="http://www.w3.org/2003/InkML">
+  <inkml:definitions>
+    <inkml:context xml:id="ctx0">
+      <inkml:inkSource xml:id="inkSrc0">
+        <inkml:traceFormat>
+          <inkml:channel name="X" type="integer" min="-2.14748E9" max="2.14748E9" units="cm"/>
+          <inkml:channel name="Y" type="integer" min="-2.14748E9" max="2.14748E9" units="cm"/>
+          <inkml:channel name="F" type="integer" max="32767" units="dev"/>
+        </inkml:traceFormat>
+        <inkml:channelProperties>
+          <inkml:channelProperty channel="X" name="resolution" value="1000" units="1/cm"/>
+          <inkml:channelProperty channel="Y" name="resolution" value="1000" units="1/cm"/>
+          <inkml:channelProperty channel="F" name="resolution" value="0" units="1/dev"/>
+        </inkml:channelProperties>
+      </inkml:inkSource>
+      <inkml:timestamp xml:id="ts0" timeString="2024-09-23T01:56:33.842"/>
+    </inkml:context>
+    <inkml:brush xml:id="br0">
+      <inkml:brushProperty name="width" value="0.035" units="cm"/>
+      <inkml:brushProperty name="height" value="0.035" units="cm"/>
+      <inkml:brushProperty name="color" value="#E71224"/>
+    </inkml:brush>
+  </inkml:definitions>
+  <inkml:trace contextRef="#ctx0" brushRef="#br0">2308 135 24575,'-822'0'0,"791"-1"0,-58-11 0,57 6 0,-54-2 0,-496 9 0,562 0 0,1 1 0,0 1 0,0 1 0,0 0 0,0 2 0,-28 11 0,16-4 0,0 2 0,-54 37 0,48-24 0,1 2 0,2 2 0,1 1 0,2 2 0,1 1 0,1 1 0,3 1 0,-23 43 0,40-61 0,0 1 0,2 0 0,0 1 0,2-1 0,0 1 0,1 1 0,1-1 0,2 0 0,0 1 0,1-1 0,5 39 0,-2-42 0,1 0 0,0-1 0,1 0 0,1 0 0,1 0 0,1-1 0,14 25 0,-3-12 0,1 0 0,1-2 0,26 27 0,-31-40 0,1-1 0,0-1 0,1-1 0,1 0 0,23 11 0,11 7 0,16 11 0,2-4 0,1-3 0,2-2 0,0-4 0,92 21 0,-122-42 0,0-2 0,0-2 0,0-2 0,47-5 0,13 1 0,-54 4 0,-10 0 0,-1-2 0,0-1 0,68-13 0,184-38 0,-258 44 0,-1-1 0,0-1 0,-1-2 0,0-1 0,-1-1 0,50-35 0,-46 28 0,-2-2 0,-1-2 0,-1-1 0,-1-1 0,-1-1 0,31-44 0,-37 43 0,-2-1 0,-2-2 0,0 1 0,-2-2 0,18-58 0,-28 63 0,-1-1 0,-2 0 0,-1 0 0,-2 0 0,-4-44 0,1-11 0,2 69 0,-1 1 0,-1-1 0,0 1 0,-1-1 0,0 1 0,-2 0 0,0 0 0,0 1 0,-1 0 0,-1 0 0,0 0 0,-15-17 0,3 6 0,-1 1 0,-1 1 0,-1 1 0,0 1 0,-34-22 0,4 8 0,-1 3 0,-96-41 0,129 66 0,0 1 0,0 1 0,-1 1 0,-36-2 0,-10-3 0,42 4 0,-1 2 0,1 1 0,0 0 0,-1 2 0,1 2 0,-1 0 0,1 1 0,0 2 0,0 1 0,-29 10 0,-19 9-1365,57-17-5461</inkml:trace>
+</inkml:ink>
+</file>
+
+<file path=ppt/ink/ink12.xml><?xml version="1.0" encoding="utf-8"?>
+<inkml:ink xmlns:inkml="http://www.w3.org/2003/InkML">
+  <inkml:definitions>
+    <inkml:context xml:id="ctx0">
+      <inkml:inkSource xml:id="inkSrc0">
+        <inkml:traceFormat>
+          <inkml:channel name="X" type="integer" min="-2.14748E9" max="2.14748E9" units="cm"/>
+          <inkml:channel name="Y" type="integer" min="-2.14748E9" max="2.14748E9" units="cm"/>
+          <inkml:channel name="F" type="integer" max="32767" units="dev"/>
+        </inkml:traceFormat>
+        <inkml:channelProperties>
+          <inkml:channelProperty channel="X" name="resolution" value="1000" units="1/cm"/>
+          <inkml:channelProperty channel="Y" name="resolution" value="1000" units="1/cm"/>
+          <inkml:channelProperty channel="F" name="resolution" value="0" units="1/dev"/>
+        </inkml:channelProperties>
+      </inkml:inkSource>
+      <inkml:timestamp xml:id="ts0" timeString="2024-09-23T01:56:34.699"/>
+    </inkml:context>
+    <inkml:brush xml:id="br0">
+      <inkml:brushProperty name="width" value="0.035" units="cm"/>
+      <inkml:brushProperty name="height" value="0.035" units="cm"/>
+      <inkml:brushProperty name="color" value="#E71224"/>
+    </inkml:brush>
+  </inkml:definitions>
+  <inkml:trace contextRef="#ctx0" brushRef="#br0">2170 0 24575,'-1'7'0,"0"0"0,0 0 0,0 0 0,-1 0 0,0-1 0,-1 1 0,0-1 0,0 0 0,0 1 0,-6 7 0,-47 61 0,33-46 0,-24 33 0,-302 431 0,274-370 0,-148 271 0,-66 228 0,222-477-59,-284 588-715,204-413 774,3-5 0,96-216 167,6 1 0,3 2-1,5 2 1,-24 127-1,-2-20-166,27-101 0,28-90 0,2-8 0,0 0 0,0 0 0,-1-1 0,-1 1 0,0-1 0,0 0 0,-8 11 0,13-22 0,-1-1 0,0 1 0,1 0 0,-1-1 0,1 1 0,-1-1 0,1 1 0,0 0 0,-1-1 0,1 1 0,-1-1 0,1 1 0,0-1 0,-1 1 0,1-1 0,0 0 0,0 1 0,-1-1 0,1 1 0,0-1 0,0 0 0,0 1 0,0-1 0,0 0 0,0 1 0,0-1 0,0 1 0,0-1 0,0 0 0,0 1 0,0-1 0,0 0 0,-1-28 0,16-51-1365,-10 55-5461</inkml:trace>
+</inkml:ink>
+</file>
+
+<file path=ppt/ink/ink13.xml><?xml version="1.0" encoding="utf-8"?>
+<inkml:ink xmlns:inkml="http://www.w3.org/2003/InkML">
+  <inkml:definitions>
+    <inkml:context xml:id="ctx0">
+      <inkml:inkSource xml:id="inkSrc0">
+        <inkml:traceFormat>
+          <inkml:channel name="X" type="integer" min="-2.14748E9" max="2.14748E9" units="cm"/>
+          <inkml:channel name="Y" type="integer" min="-2.14748E9" max="2.14748E9" units="cm"/>
+          <inkml:channel name="F" type="integer" max="32767" units="dev"/>
+        </inkml:traceFormat>
+        <inkml:channelProperties>
+          <inkml:channelProperty channel="X" name="resolution" value="1000" units="1/cm"/>
+          <inkml:channelProperty channel="Y" name="resolution" value="1000" units="1/cm"/>
+          <inkml:channelProperty channel="F" name="resolution" value="0" units="1/dev"/>
+        </inkml:channelProperties>
+      </inkml:inkSource>
+      <inkml:timestamp xml:id="ts0" timeString="2024-09-23T01:56:35.510"/>
+    </inkml:context>
+    <inkml:brush xml:id="br0">
+      <inkml:brushProperty name="width" value="0.035" units="cm"/>
+      <inkml:brushProperty name="height" value="0.035" units="cm"/>
+      <inkml:brushProperty name="color" value="#E71224"/>
+    </inkml:brush>
+  </inkml:definitions>
+  <inkml:trace contextRef="#ctx0" brushRef="#br0">1 0 24575,'0'26'0,"0"55"0,16 136 0,-3-125 0,21 104 0,-25-156 0,3 47 0,-7-50 0,15 62 0,65 192 0,-79-271 0,51 141 0,-47-137 0,2 1 0,0-2 0,2 0 0,22 29 0,-34-49 0,1 0 0,0 1 0,1-1 0,-1 0 0,0-1 0,1 1 0,0-1 0,-1 1 0,1-1 0,0 0 0,0-1 0,0 1 0,1-1 0,-1 0 0,0 0 0,1 0 0,-1 0 0,9 0 0,2-2 0,1 0 0,0-1 0,-1-1 0,16-4 0,12-3 0,43-5 0,156-50 0,-225 59 0,295-120 0,-101 23 0,134-69 0,-190 72 0,-15 8 0,-95 64 0,71-61 0,-13 10 0,-63 49 0,-1-2 0,56-61 0,-68 55-1365,-19 20-5461</inkml:trace>
+</inkml:ink>
+</file>
+
+<file path=ppt/ink/ink14.xml><?xml version="1.0" encoding="utf-8"?>
+<inkml:ink xmlns:inkml="http://www.w3.org/2003/InkML">
+  <inkml:definitions>
+    <inkml:context xml:id="ctx0">
+      <inkml:inkSource xml:id="inkSrc0">
+        <inkml:traceFormat>
+          <inkml:channel name="X" type="integer" min="-2.14748E9" max="2.14748E9" units="cm"/>
+          <inkml:channel name="Y" type="integer" min="-2.14748E9" max="2.14748E9" units="cm"/>
+          <inkml:channel name="F" type="integer" max="32767" units="dev"/>
+        </inkml:traceFormat>
+        <inkml:channelProperties>
+          <inkml:channelProperty channel="X" name="resolution" value="1000" units="1/cm"/>
+          <inkml:channelProperty channel="Y" name="resolution" value="1000" units="1/cm"/>
+          <inkml:channelProperty channel="F" name="resolution" value="0" units="1/dev"/>
+        </inkml:channelProperties>
+      </inkml:inkSource>
+      <inkml:timestamp xml:id="ts0" timeString="2024-09-23T01:56:37.975"/>
+    </inkml:context>
+    <inkml:brush xml:id="br0">
+      <inkml:brushProperty name="width" value="0.035" units="cm"/>
+      <inkml:brushProperty name="height" value="0.035" units="cm"/>
+      <inkml:brushProperty name="color" value="#E71224"/>
+    </inkml:brush>
+  </inkml:definitions>
+  <inkml:trace contextRef="#ctx0" brushRef="#br0">2251 0 24575,'-64'3'0,"0"3"0,0 2 0,0 4 0,-69 21 0,-33 0 0,52-11 0,14-4 0,-57 15 0,77-14 0,47-12 0,-57 20 0,-57 23 0,90-33 0,2 3 0,-76 38 0,121-53 0,-31 17 0,-63 46 0,75-47 0,1 1 0,2 1 0,0 2 0,1 0 0,2 2 0,-40 58 0,-136 321 0,112-155 0,64-175 0,10-30 0,3 0 0,1 2 0,-4 75 0,11 146 0,3-143 0,0-103 0,1-1 0,1 1 0,1 0 0,1-1 0,13 37 0,53 105 0,-62-145 0,6 8 0,2 0 0,1 0 0,1-2 0,1 0 0,37 35 0,-44-49 0,0-1 0,1 0 0,0-1 0,0 0 0,1-1 0,0-1 0,0-1 0,1 0 0,0 0 0,0-2 0,0 0 0,25 3 0,19-2 0,0-2 0,70-6 0,-24 0 0,1266 3 0,-1344-2 0,0-1 0,-1-1 0,1-2 0,52-17 0,-13 3 0,-21 6 0,-1-3 0,-1-1 0,-1-2 0,66-42 0,-25 7 0,88-77 0,-137 103 0,-2-2 0,-1-1 0,-2-1 0,-1-2 0,-2-1 0,-1-1 0,38-74 0,-44 66 0,-2-1 0,-2-1 0,-2 0 0,-2-1 0,-2 0 0,5-64 0,-14-228 0,-3 161 0,1 147 0,-2 0 0,-1 0 0,-1 1 0,-16-51 0,-53-120 0,34 101 0,34 85 0,0 1 0,-2 0 0,0 1 0,0 0 0,-2 0 0,1 1 0,-2 0 0,0 1 0,0 0 0,-1 1 0,0 0 0,-1 1 0,0 0 0,-1 1 0,0 0 0,-1 1 0,0 1 0,0 1 0,-27-9 0,-14-4 0,33 11 0,0 1 0,0 0 0,0 2 0,-1 0 0,-38-1 0,25 3 0,-43-7 0,44 4 0,-50-1 0,51 7 0,-54 6 0,74-4 0,1 1 0,-1 1 0,1 0 0,0 1 0,0 1 0,-17 9 0,-147 101-446,149-95-473,7-7-5907</inkml:trace>
+</inkml:ink>
+</file>
+
+<file path=ppt/ink/ink15.xml><?xml version="1.0" encoding="utf-8"?>
+<inkml:ink xmlns:inkml="http://www.w3.org/2003/InkML">
+  <inkml:definitions>
+    <inkml:context xml:id="ctx0">
+      <inkml:inkSource xml:id="inkSrc0">
+        <inkml:traceFormat>
+          <inkml:channel name="X" type="integer" min="-2.14748E9" max="2.14748E9" units="cm"/>
+          <inkml:channel name="Y" type="integer" min="-2.14748E9" max="2.14748E9" units="cm"/>
+          <inkml:channel name="F" type="integer" max="32767" units="dev"/>
+        </inkml:traceFormat>
+        <inkml:channelProperties>
+          <inkml:channelProperty channel="X" name="resolution" value="1000" units="1/cm"/>
+          <inkml:channelProperty channel="Y" name="resolution" value="1000" units="1/cm"/>
+          <inkml:channelProperty channel="F" name="resolution" value="0" units="1/dev"/>
+        </inkml:channelProperties>
+      </inkml:inkSource>
+      <inkml:timestamp xml:id="ts0" timeString="2024-09-23T01:56:38.907"/>
+    </inkml:context>
+    <inkml:brush xml:id="br0">
+      <inkml:brushProperty name="width" value="0.035" units="cm"/>
+      <inkml:brushProperty name="height" value="0.035" units="cm"/>
+      <inkml:brushProperty name="color" value="#E71224"/>
+    </inkml:brush>
+  </inkml:definitions>
+  <inkml:trace contextRef="#ctx0" brushRef="#br0">0 0 24575,'0'12'0,"1"0"0,0-1 0,1 1 0,0-1 0,0 1 0,1-1 0,1 0 0,0 0 0,1 0 0,6 12 0,1-5 0,0-1 0,1 0 0,1-1 0,26 26 0,156 146 0,6 39-43,-59-60-841,133 175 884,-53-59 0,-48-72-59,-10 7 0,184 321-1,-224-289 518,-47-88 189,-58-118-647,22 70 0,-9-20 0,3 12 0,41 196 0,-51-133 0,-21-139 0,1 47 0,-6-33 0,-2-35 0,-2-13 0,-2-12-1365,1-1-5461</inkml:trace>
+</inkml:ink>
+</file>
+
+<file path=ppt/ink/ink16.xml><?xml version="1.0" encoding="utf-8"?>
+<inkml:ink xmlns:inkml="http://www.w3.org/2003/InkML">
+  <inkml:definitions>
+    <inkml:context xml:id="ctx0">
+      <inkml:inkSource xml:id="inkSrc0">
+        <inkml:traceFormat>
+          <inkml:channel name="X" type="integer" min="-2.14748E9" max="2.14748E9" units="cm"/>
+          <inkml:channel name="Y" type="integer" min="-2.14748E9" max="2.14748E9" units="cm"/>
+          <inkml:channel name="F" type="integer" max="32767" units="dev"/>
+        </inkml:traceFormat>
+        <inkml:channelProperties>
+          <inkml:channelProperty channel="X" name="resolution" value="1000" units="1/cm"/>
+          <inkml:channelProperty channel="Y" name="resolution" value="1000" units="1/cm"/>
+          <inkml:channelProperty channel="F" name="resolution" value="0" units="1/dev"/>
+        </inkml:channelProperties>
+      </inkml:inkSource>
+      <inkml:timestamp xml:id="ts0" timeString="2024-09-23T01:56:41.579"/>
+    </inkml:context>
+    <inkml:brush xml:id="br0">
+      <inkml:brushProperty name="width" value="0.035" units="cm"/>
+      <inkml:brushProperty name="height" value="0.035" units="cm"/>
+      <inkml:brushProperty name="color" value="#E71224"/>
+    </inkml:brush>
+  </inkml:definitions>
+  <inkml:trace contextRef="#ctx0" brushRef="#br0">0 293 24575,'1'3'0,"1"0"0,-1-1 0,1 1 0,0-1 0,0 1 0,0-1 0,0 0 0,0 1 0,0-1 0,0 0 0,1 0 0,-1-1 0,1 1 0,0-1 0,-1 1 0,6 1 0,3 4 0,555 404 0,-109-16 0,-350-298 0,386 325 0,-275-262 0,-208-153 0,0 0 0,1 0 0,0-1 0,0 0 0,16 5 0,-25-10 0,0-1 0,0 1 0,0 0 0,0-1 0,0 0 0,0 1 0,0-1 0,0 0 0,1 0 0,-1 0 0,0-1 0,0 1 0,0 0 0,0-1 0,0 1 0,0-1 0,0 0 0,0 0 0,0 1 0,-1-1 0,1-1 0,0 1 0,0 0 0,-1 0 0,1-1 0,-1 1 0,1 0 0,-1-1 0,0 0 0,1 1 0,-1-1 0,0 0 0,0 0 0,0 1 0,0-1 0,-1 0 0,1 0 0,0 0 0,0-3 0,55-209 0,19-55 0,-32 103 0,-7 25 0,70-213 0,-9 12 0,-87 312 0,-1 1 0,8-45 0,9-58 0,-9 70-1365,-13 44-5461</inkml:trace>
+</inkml:ink>
+</file>
+
+<file path=ppt/ink/ink17.xml><?xml version="1.0" encoding="utf-8"?>
+<inkml:ink xmlns:inkml="http://www.w3.org/2003/InkML">
+  <inkml:definitions>
+    <inkml:context xml:id="ctx0">
+      <inkml:inkSource xml:id="inkSrc0">
+        <inkml:traceFormat>
+          <inkml:channel name="X" type="integer" min="-2.14748E9" max="2.14748E9" units="cm"/>
+          <inkml:channel name="Y" type="integer" min="-2.14748E9" max="2.14748E9" units="cm"/>
+          <inkml:channel name="F" type="integer" max="32767" units="dev"/>
+        </inkml:traceFormat>
+        <inkml:channelProperties>
+          <inkml:channelProperty channel="X" name="resolution" value="1000" units="1/cm"/>
+          <inkml:channelProperty channel="Y" name="resolution" value="1000" units="1/cm"/>
+          <inkml:channelProperty channel="F" name="resolution" value="0" units="1/dev"/>
+        </inkml:channelProperties>
+      </inkml:inkSource>
+      <inkml:timestamp xml:id="ts0" timeString="2024-09-23T01:57:03.591"/>
+    </inkml:context>
+    <inkml:brush xml:id="br0">
+      <inkml:brushProperty name="width" value="0.035" units="cm"/>
+      <inkml:brushProperty name="height" value="0.035" units="cm"/>
+      <inkml:brushProperty name="color" value="#E71224"/>
+    </inkml:brush>
+  </inkml:definitions>
+  <inkml:trace contextRef="#ctx0" brushRef="#br0">0 0 24575,'29'0'0,"131"6"0,-138-3 0,0 0 0,0 2 0,-1 0 0,1 2 0,26 11 0,116 44 0,-10-5 0,328 125 0,-324-126 0,-57-17 0,50 17 0,124 30 0,356 62 0,-456-119 0,373 52 0,-516-77 0,352 24 0,-161-15 0,-5-1 0,610-13 0,-793 0 0,64-13 0,-22 2 0,-28 4 0,0-2 0,50-18 0,-21 5 0,14 0 0,86-26 0,60-30 0,-87 23 0,51-21 0,-121 35 0,-2-4 0,142-107 0,-203 139 0,163-107 0,-124 84 0,-22 18-59,16-8 219,-49 25-258,1 0 1,-1 0-1,1 0 0,-1 0 0,0 0 1,0 0-1,0-1 0,0 1 0,0-1 1,0 1-1,-1-1 0,1 0 0,-1 0 1,1-3-1,0-4-6728</inkml:trace>
+</inkml:ink>
+</file>
+
+<file path=ppt/ink/ink18.xml><?xml version="1.0" encoding="utf-8"?>
 <inkml:ink xmlns:inkml="http://www.w3.org/2003/InkML">
   <inkml:definitions>
     <inkml:context xml:id="ctx0">
@@ -201,6 +406,34 @@
     </inkml:brush>
   </inkml:definitions>
   <inkml:trace contextRef="#ctx0" brushRef="#br0">0 0 24575</inkml:trace>
+</inkml:ink>
+</file>
+
+<file path=ppt/ink/ink19.xml><?xml version="1.0" encoding="utf-8"?>
+<inkml:ink xmlns:inkml="http://www.w3.org/2003/InkML">
+  <inkml:definitions>
+    <inkml:context xml:id="ctx0">
+      <inkml:inkSource xml:id="inkSrc0">
+        <inkml:traceFormat>
+          <inkml:channel name="X" type="integer" min="-2.14748E9" max="2.14748E9" units="cm"/>
+          <inkml:channel name="Y" type="integer" min="-2.14748E9" max="2.14748E9" units="cm"/>
+          <inkml:channel name="F" type="integer" max="32767" units="dev"/>
+        </inkml:traceFormat>
+        <inkml:channelProperties>
+          <inkml:channelProperty channel="X" name="resolution" value="1000" units="1/cm"/>
+          <inkml:channelProperty channel="Y" name="resolution" value="1000" units="1/cm"/>
+          <inkml:channelProperty channel="F" name="resolution" value="0" units="1/dev"/>
+        </inkml:channelProperties>
+      </inkml:inkSource>
+      <inkml:timestamp xml:id="ts0" timeString="2024-09-23T02:20:49.244"/>
+    </inkml:context>
+    <inkml:brush xml:id="br0">
+      <inkml:brushProperty name="width" value="0.035" units="cm"/>
+      <inkml:brushProperty name="height" value="0.035" units="cm"/>
+      <inkml:brushProperty name="color" value="#E71224"/>
+    </inkml:brush>
+  </inkml:definitions>
+  <inkml:trace contextRef="#ctx0" brushRef="#br0">11332 0 24575,'-3'2'0,"1"0"0,-1 0 0,0 0 0,1 1 0,-1-1 0,1 1 0,0-1 0,0 1 0,0 0 0,0 0 0,1 0 0,-1 0 0,1 0 0,-2 3 0,-3 5 0,-24 34 0,-1-1 0,-3-2 0,-2-1 0,-40 36 0,-173 135 0,207-179 0,-99 66 0,20-17 0,-3 3 0,-174 90 0,-135 56 0,336-182 0,-1-3 0,-183 55 0,176-68 0,-1-5 0,-1-4 0,-155 14 0,-22-13 0,141-14 0,-144 5 0,-1151-18-809,1170-11 809,17-1 0,-196-18 0,231 12 0,-179-8-243,70-11 781,10 2-24,183 23-514,-42-2 0,111 15 0,-91-12 0,-116-15 0,99 14 0,25 2 0,-85-12 0,-213-36 0,138-2 0,-194-47 0,326 66 0,-236-73 0,215 40 0,121 43 0,35 16 0,-63-20 0,-19-7 0,86 29 0,-1 2 0,-38-10 0,60 20 0,0-2 0,0 0 0,0-1 0,1 0 0,0-1 0,0-1 0,1 0 0,0 0 0,0-1 0,-12-13 0,-13-15 0,-49-65 0,29 33 0,1-12-1365,45 70-5461</inkml:trace>
 </inkml:ink>
 </file>
 
@@ -232,6 +465,286 @@
 </inkml:ink>
 </file>
 
+<file path=ppt/ink/ink20.xml><?xml version="1.0" encoding="utf-8"?>
+<inkml:ink xmlns:inkml="http://www.w3.org/2003/InkML">
+  <inkml:definitions>
+    <inkml:context xml:id="ctx0">
+      <inkml:inkSource xml:id="inkSrc0">
+        <inkml:traceFormat>
+          <inkml:channel name="X" type="integer" min="-2.14748E9" max="2.14748E9" units="cm"/>
+          <inkml:channel name="Y" type="integer" min="-2.14748E9" max="2.14748E9" units="cm"/>
+          <inkml:channel name="F" type="integer" max="32767" units="dev"/>
+        </inkml:traceFormat>
+        <inkml:channelProperties>
+          <inkml:channelProperty channel="X" name="resolution" value="1000" units="1/cm"/>
+          <inkml:channelProperty channel="Y" name="resolution" value="1000" units="1/cm"/>
+          <inkml:channelProperty channel="F" name="resolution" value="0" units="1/dev"/>
+        </inkml:channelProperties>
+      </inkml:inkSource>
+      <inkml:timestamp xml:id="ts0" timeString="2024-09-23T02:22:46.342"/>
+    </inkml:context>
+    <inkml:brush xml:id="br0">
+      <inkml:brushProperty name="width" value="0.035" units="cm"/>
+      <inkml:brushProperty name="height" value="0.035" units="cm"/>
+      <inkml:brushProperty name="color" value="#E71224"/>
+    </inkml:brush>
+  </inkml:definitions>
+  <inkml:trace contextRef="#ctx0" brushRef="#br0">2577 351 24575,'0'-3'0,"-1"1"0,0-1 0,0 1 0,-1-1 0,1 1 0,0-1 0,-1 1 0,0 0 0,1-1 0,-1 1 0,0 0 0,0 0 0,0 1 0,-1-1 0,-2-2 0,-36-25 0,-163-81 0,172 96 0,-1 2 0,-1 1 0,1 1 0,-57-8 0,-16 1 0,54 7 0,0 3 0,-56-1 0,-952 9 0,1021 2 0,-1 1 0,1 2 0,-58 17 0,48-11 0,-73 9 0,83-16 0,-50 14 0,37-7 0,48-10 0,-1-1 0,0 1 0,0 0 0,0 0 0,1 0 0,-1 1 0,1-1 0,0 1 0,0 0 0,0 1 0,0-1 0,0 1 0,1-1 0,0 1 0,-1 0 0,1 0 0,1 1 0,-1-1 0,1 1 0,-1-1 0,1 1 0,-2 7 0,-2 11 0,0 1 0,2-1 0,-3 42 0,-1 1 0,0-23 0,2 0 0,2 0 0,1 1 0,3-1 0,2 1 0,11 71 0,-8-89 0,2 0 0,0-1 0,2 0 0,0-1 0,2 0 0,0 0 0,2-1 0,1 0 0,0-2 0,2 1 0,0-2 0,25 24 0,0-10 0,1-1 0,2-2 0,1-2 0,54 26 0,-47-27 0,-9-7 0,1-1 0,66 18 0,-32-12 0,346 90 0,-177-55 0,130 29 0,-285-69 0,34 7 0,264 66 0,-356-88 0,0 0 0,1-2 0,0-2 0,47-2 0,46 3 0,-41 13 0,-66-10 0,1-1 0,26 1 0,-15-3 0,-1-2 0,0-2 0,1-1 0,42-7 0,-61 5 0,0 0 0,1 0 0,-2-1 0,1-1 0,-1 0 0,1-1 0,-2 0 0,1-1 0,-1-1 0,0 0 0,18-19 0,-15 13 0,0-1 0,-2-1 0,1 0 0,-2-1 0,-1 0 0,0-1 0,-1 0 0,-1-1 0,-1 0 0,0 0 0,-2-1 0,-1 0 0,4-23 0,-1-2 0,3-10 0,-3 0 0,1-68 0,-10 82 0,-3 0 0,-1-1 0,-2 1 0,-18-57 0,5 34 0,-4 2 0,-31-63 0,36 88 0,-6-14 0,-2 0 0,-2 2 0,-41-54 0,50 80 0,-2 0 0,-1 1 0,0 2 0,-2 0 0,0 2 0,-2 0 0,0 2 0,-1 1 0,0 1 0,-1 2 0,-1 0 0,0 2 0,0 2 0,-1 0 0,-1 3 0,1 0 0,-45-2 0,45 5 0,0-1 0,0-2 0,-45-15 0,42 11 0,0 1 0,-47-6 0,32 8 0,-76-21 0,77 16 0,-83-11 0,25 5 126,35 5-1617,41 8-5335</inkml:trace>
+</inkml:ink>
+</file>
+
+<file path=ppt/ink/ink21.xml><?xml version="1.0" encoding="utf-8"?>
+<inkml:ink xmlns:inkml="http://www.w3.org/2003/InkML">
+  <inkml:definitions>
+    <inkml:context xml:id="ctx0">
+      <inkml:inkSource xml:id="inkSrc0">
+        <inkml:traceFormat>
+          <inkml:channel name="X" type="integer" min="-2.14748E9" max="2.14748E9" units="cm"/>
+          <inkml:channel name="Y" type="integer" min="-2.14748E9" max="2.14748E9" units="cm"/>
+          <inkml:channel name="F" type="integer" max="32767" units="dev"/>
+        </inkml:traceFormat>
+        <inkml:channelProperties>
+          <inkml:channelProperty channel="X" name="resolution" value="1000" units="1/cm"/>
+          <inkml:channelProperty channel="Y" name="resolution" value="1000" units="1/cm"/>
+          <inkml:channelProperty channel="F" name="resolution" value="0" units="1/dev"/>
+        </inkml:channelProperties>
+      </inkml:inkSource>
+      <inkml:timestamp xml:id="ts0" timeString="2024-09-12T07:09:40.776"/>
+    </inkml:context>
+    <inkml:brush xml:id="br0">
+      <inkml:brushProperty name="width" value="0.035" units="cm"/>
+      <inkml:brushProperty name="height" value="0.035" units="cm"/>
+      <inkml:brushProperty name="color" value="#E71224"/>
+    </inkml:brush>
+  </inkml:definitions>
+  <inkml:trace contextRef="#ctx0" brushRef="#br0">0 0 24575</inkml:trace>
+</inkml:ink>
+</file>
+
+<file path=ppt/ink/ink22.xml><?xml version="1.0" encoding="utf-8"?>
+<inkml:ink xmlns:inkml="http://www.w3.org/2003/InkML">
+  <inkml:definitions>
+    <inkml:context xml:id="ctx0">
+      <inkml:inkSource xml:id="inkSrc0">
+        <inkml:traceFormat>
+          <inkml:channel name="X" type="integer" min="-2.14748E9" max="2.14748E9" units="cm"/>
+          <inkml:channel name="Y" type="integer" min="-2.14748E9" max="2.14748E9" units="cm"/>
+          <inkml:channel name="F" type="integer" max="32767" units="dev"/>
+        </inkml:traceFormat>
+        <inkml:channelProperties>
+          <inkml:channelProperty channel="X" name="resolution" value="1000" units="1/cm"/>
+          <inkml:channelProperty channel="Y" name="resolution" value="1000" units="1/cm"/>
+          <inkml:channelProperty channel="F" name="resolution" value="0" units="1/dev"/>
+        </inkml:channelProperties>
+      </inkml:inkSource>
+      <inkml:timestamp xml:id="ts0" timeString="2024-09-12T07:09:40.776"/>
+    </inkml:context>
+    <inkml:brush xml:id="br0">
+      <inkml:brushProperty name="width" value="0.035" units="cm"/>
+      <inkml:brushProperty name="height" value="0.035" units="cm"/>
+      <inkml:brushProperty name="color" value="#E71224"/>
+    </inkml:brush>
+  </inkml:definitions>
+  <inkml:trace contextRef="#ctx0" brushRef="#br0">0 0 24575</inkml:trace>
+</inkml:ink>
+</file>
+
+<file path=ppt/ink/ink23.xml><?xml version="1.0" encoding="utf-8"?>
+<inkml:ink xmlns:inkml="http://www.w3.org/2003/InkML">
+  <inkml:definitions>
+    <inkml:context xml:id="ctx0">
+      <inkml:inkSource xml:id="inkSrc0">
+        <inkml:traceFormat>
+          <inkml:channel name="X" type="integer" min="-2.14748E9" max="2.14748E9" units="cm"/>
+          <inkml:channel name="Y" type="integer" min="-2.14748E9" max="2.14748E9" units="cm"/>
+          <inkml:channel name="F" type="integer" max="32767" units="dev"/>
+        </inkml:traceFormat>
+        <inkml:channelProperties>
+          <inkml:channelProperty channel="X" name="resolution" value="1000" units="1/cm"/>
+          <inkml:channelProperty channel="Y" name="resolution" value="1000" units="1/cm"/>
+          <inkml:channelProperty channel="F" name="resolution" value="0" units="1/dev"/>
+        </inkml:channelProperties>
+      </inkml:inkSource>
+      <inkml:timestamp xml:id="ts0" timeString="2024-09-12T07:09:40.776"/>
+    </inkml:context>
+    <inkml:brush xml:id="br0">
+      <inkml:brushProperty name="width" value="0.035" units="cm"/>
+      <inkml:brushProperty name="height" value="0.035" units="cm"/>
+      <inkml:brushProperty name="color" value="#E71224"/>
+    </inkml:brush>
+  </inkml:definitions>
+  <inkml:trace contextRef="#ctx0" brushRef="#br0">0 0 24575</inkml:trace>
+</inkml:ink>
+</file>
+
+<file path=ppt/ink/ink24.xml><?xml version="1.0" encoding="utf-8"?>
+<inkml:ink xmlns:inkml="http://www.w3.org/2003/InkML">
+  <inkml:definitions>
+    <inkml:context xml:id="ctx0">
+      <inkml:inkSource xml:id="inkSrc0">
+        <inkml:traceFormat>
+          <inkml:channel name="X" type="integer" min="-2.14748E9" max="2.14748E9" units="cm"/>
+          <inkml:channel name="Y" type="integer" min="-2.14748E9" max="2.14748E9" units="cm"/>
+          <inkml:channel name="F" type="integer" max="32767" units="dev"/>
+        </inkml:traceFormat>
+        <inkml:channelProperties>
+          <inkml:channelProperty channel="X" name="resolution" value="1000" units="1/cm"/>
+          <inkml:channelProperty channel="Y" name="resolution" value="1000" units="1/cm"/>
+          <inkml:channelProperty channel="F" name="resolution" value="0" units="1/dev"/>
+        </inkml:channelProperties>
+      </inkml:inkSource>
+      <inkml:timestamp xml:id="ts0" timeString="2024-09-12T07:09:40.776"/>
+    </inkml:context>
+    <inkml:brush xml:id="br0">
+      <inkml:brushProperty name="width" value="0.035" units="cm"/>
+      <inkml:brushProperty name="height" value="0.035" units="cm"/>
+      <inkml:brushProperty name="color" value="#E71224"/>
+    </inkml:brush>
+  </inkml:definitions>
+  <inkml:trace contextRef="#ctx0" brushRef="#br0">0 0 24575</inkml:trace>
+</inkml:ink>
+</file>
+
+<file path=ppt/ink/ink25.xml><?xml version="1.0" encoding="utf-8"?>
+<inkml:ink xmlns:inkml="http://www.w3.org/2003/InkML">
+  <inkml:definitions>
+    <inkml:context xml:id="ctx0">
+      <inkml:inkSource xml:id="inkSrc0">
+        <inkml:traceFormat>
+          <inkml:channel name="X" type="integer" min="-2.14748E9" max="2.14748E9" units="cm"/>
+          <inkml:channel name="Y" type="integer" min="-2.14748E9" max="2.14748E9" units="cm"/>
+          <inkml:channel name="F" type="integer" max="32767" units="dev"/>
+        </inkml:traceFormat>
+        <inkml:channelProperties>
+          <inkml:channelProperty channel="X" name="resolution" value="1000" units="1/cm"/>
+          <inkml:channelProperty channel="Y" name="resolution" value="1000" units="1/cm"/>
+          <inkml:channelProperty channel="F" name="resolution" value="0" units="1/dev"/>
+        </inkml:channelProperties>
+      </inkml:inkSource>
+      <inkml:timestamp xml:id="ts0" timeString="2024-09-12T07:09:40.776"/>
+    </inkml:context>
+    <inkml:brush xml:id="br0">
+      <inkml:brushProperty name="width" value="0.035" units="cm"/>
+      <inkml:brushProperty name="height" value="0.035" units="cm"/>
+      <inkml:brushProperty name="color" value="#E71224"/>
+    </inkml:brush>
+  </inkml:definitions>
+  <inkml:trace contextRef="#ctx0" brushRef="#br0">0 0 24575</inkml:trace>
+</inkml:ink>
+</file>
+
+<file path=ppt/ink/ink26.xml><?xml version="1.0" encoding="utf-8"?>
+<inkml:ink xmlns:inkml="http://www.w3.org/2003/InkML">
+  <inkml:definitions>
+    <inkml:context xml:id="ctx0">
+      <inkml:inkSource xml:id="inkSrc0">
+        <inkml:traceFormat>
+          <inkml:channel name="X" type="integer" min="-2.14748E9" max="2.14748E9" units="cm"/>
+          <inkml:channel name="Y" type="integer" min="-2.14748E9" max="2.14748E9" units="cm"/>
+          <inkml:channel name="F" type="integer" max="32767" units="dev"/>
+        </inkml:traceFormat>
+        <inkml:channelProperties>
+          <inkml:channelProperty channel="X" name="resolution" value="1000" units="1/cm"/>
+          <inkml:channelProperty channel="Y" name="resolution" value="1000" units="1/cm"/>
+          <inkml:channelProperty channel="F" name="resolution" value="0" units="1/dev"/>
+        </inkml:channelProperties>
+      </inkml:inkSource>
+      <inkml:timestamp xml:id="ts0" timeString="2024-09-12T07:09:40.776"/>
+    </inkml:context>
+    <inkml:brush xml:id="br0">
+      <inkml:brushProperty name="width" value="0.035" units="cm"/>
+      <inkml:brushProperty name="height" value="0.035" units="cm"/>
+      <inkml:brushProperty name="color" value="#E71224"/>
+    </inkml:brush>
+  </inkml:definitions>
+  <inkml:trace contextRef="#ctx0" brushRef="#br0">0 0 24575</inkml:trace>
+</inkml:ink>
+</file>
+
+<file path=ppt/ink/ink27.xml><?xml version="1.0" encoding="utf-8"?>
+<inkml:ink xmlns:inkml="http://www.w3.org/2003/InkML">
+  <inkml:definitions>
+    <inkml:context xml:id="ctx0">
+      <inkml:inkSource xml:id="inkSrc0">
+        <inkml:traceFormat>
+          <inkml:channel name="X" type="integer" min="-2.14748E9" max="2.14748E9" units="cm"/>
+          <inkml:channel name="Y" type="integer" min="-2.14748E9" max="2.14748E9" units="cm"/>
+          <inkml:channel name="F" type="integer" max="32767" units="dev"/>
+        </inkml:traceFormat>
+        <inkml:channelProperties>
+          <inkml:channelProperty channel="X" name="resolution" value="1000" units="1/cm"/>
+          <inkml:channelProperty channel="Y" name="resolution" value="1000" units="1/cm"/>
+          <inkml:channelProperty channel="F" name="resolution" value="0" units="1/dev"/>
+        </inkml:channelProperties>
+      </inkml:inkSource>
+      <inkml:timestamp xml:id="ts0" timeString="2024-09-12T07:09:40.776"/>
+    </inkml:context>
+    <inkml:brush xml:id="br0">
+      <inkml:brushProperty name="width" value="0.035" units="cm"/>
+      <inkml:brushProperty name="height" value="0.035" units="cm"/>
+      <inkml:brushProperty name="color" value="#E71224"/>
+    </inkml:brush>
+  </inkml:definitions>
+  <inkml:trace contextRef="#ctx0" brushRef="#br0">0 0 24575</inkml:trace>
+</inkml:ink>
+</file>
+
+<file path=ppt/ink/ink28.xml><?xml version="1.0" encoding="utf-8"?>
+<inkml:ink xmlns:inkml="http://www.w3.org/2003/InkML">
+  <inkml:definitions>
+    <inkml:context xml:id="ctx0">
+      <inkml:inkSource xml:id="inkSrc0">
+        <inkml:traceFormat>
+          <inkml:channel name="X" type="integer" min="-2.14748E9" max="2.14748E9" units="cm"/>
+          <inkml:channel name="Y" type="integer" min="-2.14748E9" max="2.14748E9" units="cm"/>
+          <inkml:channel name="F" type="integer" max="32767" units="dev"/>
+        </inkml:traceFormat>
+        <inkml:channelProperties>
+          <inkml:channelProperty channel="X" name="resolution" value="1000" units="1/cm"/>
+          <inkml:channelProperty channel="Y" name="resolution" value="1000" units="1/cm"/>
+          <inkml:channelProperty channel="F" name="resolution" value="0" units="1/dev"/>
+        </inkml:channelProperties>
+      </inkml:inkSource>
+      <inkml:timestamp xml:id="ts0" timeString="2024-09-12T07:09:40.776"/>
+    </inkml:context>
+    <inkml:brush xml:id="br0">
+      <inkml:brushProperty name="width" value="0.035" units="cm"/>
+      <inkml:brushProperty name="height" value="0.035" units="cm"/>
+      <inkml:brushProperty name="color" value="#E71224"/>
+    </inkml:brush>
+  </inkml:definitions>
+  <inkml:trace contextRef="#ctx0" brushRef="#br0">0 0 24575</inkml:trace>
+</inkml:ink>
+</file>
+
+<file path=ppt/ink/ink29.xml><?xml version="1.0" encoding="utf-8"?>
+<inkml:ink xmlns:inkml="http://www.w3.org/2003/InkML">
+  <inkml:definitions>
+    <inkml:context xml:id="ctx0">
+      <inkml:inkSource xml:id="inkSrc0">
+        <inkml:traceFormat>
+          <inkml:channel name="X" type="integer" min="-2.14748E9" max="2.14748E9" units="cm"/>
+          <inkml:channel name="Y" type="integer" min="-2.14748E9" max="2.14748E9" units="cm"/>
+          <inkml:channel name="F" type="integer" max="32767" units="dev"/>
+        </inkml:traceFormat>
+        <inkml:channelProperties>
+          <inkml:channelProperty channel="X" name="resolution" value="1000" units="1/cm"/>
+          <inkml:channelProperty channel="Y" name="resolution" value="1000" units="1/cm"/>
+          <inkml:channelProperty channel="F" name="resolution" value="0" units="1/dev"/>
+        </inkml:channelProperties>
+      </inkml:inkSource>
+      <inkml:timestamp xml:id="ts0" timeString="2024-09-12T07:09:40.776"/>
+    </inkml:context>
+    <inkml:brush xml:id="br0">
+      <inkml:brushProperty name="width" value="0.035" units="cm"/>
+      <inkml:brushProperty name="height" value="0.035" units="cm"/>
+      <inkml:brushProperty name="color" value="#E71224"/>
+    </inkml:brush>
+  </inkml:definitions>
+  <inkml:trace contextRef="#ctx0" brushRef="#br0">0 0 24575</inkml:trace>
+</inkml:ink>
+</file>
+
 <file path=ppt/ink/ink3.xml><?xml version="1.0" encoding="utf-8"?>
 <inkml:ink xmlns:inkml="http://www.w3.org/2003/InkML">
   <inkml:definitions>
@@ -257,6 +770,118 @@
     </inkml:brush>
   </inkml:definitions>
   <inkml:trace contextRef="#ctx0" brushRef="#br0">551 0 24575,'1'99'0,"-3"111"0,-3-170 0,-15 55 0,12-60 0,1 0 0,-4 48 0,-4 52 0,5-59 0,-28 142 0,4-37 0,28-119 0,-9 40 0,-16 72 0,10-50 0,-15 133 0,10-68 0,-8 46 0,20-149 0,-15 120 0,20-142 0,-18 66 0,15-81 0,1 1 0,-6 95 0,15-116 0,-11 53 0,2-15 0,8-50 0,-1 0 0,-1-1 0,0 0 0,-14 28 0,11-27 0,1 0 0,0 0 0,-6 33 0,5-20 0,-1 16 0,9-46 0,0 1 0,1-1 0,-1 1 0,0-1 0,0 1 0,1-1 0,-1 1 0,0-1 0,1 1 0,-1-1 0,1 0 0,-1 1 0,1-1 0,-1 1 0,0-1 0,1 0 0,-1 0 0,1 1 0,0-1 0,-1 0 0,1 0 0,-1 1 0,1-1 0,-1 0 0,1 0 0,-1 0 0,1 0 0,0 0 0,-1 0 0,1 0 0,-1 0 0,1 0 0,-1 0 0,1 0 0,0 0 0,-1-1 0,1 1 0,-1 0 0,1 0 0,-1-1 0,1 1 0,-1 0 0,1-1 0,0 0 0,36-15 0,-25 11 0,9-1 0,0 1 0,1 2 0,0 0 0,0 1 0,0 1 0,29 3 0,52-4 0,479-35-681,-513 33 522,673-3 19,-433 9-279,-281-2-6373</inkml:trace>
+</inkml:ink>
+</file>
+
+<file path=ppt/ink/ink30.xml><?xml version="1.0" encoding="utf-8"?>
+<inkml:ink xmlns:inkml="http://www.w3.org/2003/InkML">
+  <inkml:definitions>
+    <inkml:context xml:id="ctx0">
+      <inkml:inkSource xml:id="inkSrc0">
+        <inkml:traceFormat>
+          <inkml:channel name="X" type="integer" min="-2.14748E9" max="2.14748E9" units="cm"/>
+          <inkml:channel name="Y" type="integer" min="-2.14748E9" max="2.14748E9" units="cm"/>
+          <inkml:channel name="F" type="integer" max="32767" units="dev"/>
+        </inkml:traceFormat>
+        <inkml:channelProperties>
+          <inkml:channelProperty channel="X" name="resolution" value="1000" units="1/cm"/>
+          <inkml:channelProperty channel="Y" name="resolution" value="1000" units="1/cm"/>
+          <inkml:channelProperty channel="F" name="resolution" value="0" units="1/dev"/>
+        </inkml:channelProperties>
+      </inkml:inkSource>
+      <inkml:timestamp xml:id="ts0" timeString="2024-09-12T07:09:40.776"/>
+    </inkml:context>
+    <inkml:brush xml:id="br0">
+      <inkml:brushProperty name="width" value="0.035" units="cm"/>
+      <inkml:brushProperty name="height" value="0.035" units="cm"/>
+      <inkml:brushProperty name="color" value="#E71224"/>
+    </inkml:brush>
+  </inkml:definitions>
+  <inkml:trace contextRef="#ctx0" brushRef="#br0">0 0 24575</inkml:trace>
+</inkml:ink>
+</file>
+
+<file path=ppt/ink/ink31.xml><?xml version="1.0" encoding="utf-8"?>
+<inkml:ink xmlns:inkml="http://www.w3.org/2003/InkML">
+  <inkml:definitions>
+    <inkml:context xml:id="ctx0">
+      <inkml:inkSource xml:id="inkSrc0">
+        <inkml:traceFormat>
+          <inkml:channel name="X" type="integer" min="-2.14748E9" max="2.14748E9" units="cm"/>
+          <inkml:channel name="Y" type="integer" min="-2.14748E9" max="2.14748E9" units="cm"/>
+          <inkml:channel name="F" type="integer" max="32767" units="dev"/>
+        </inkml:traceFormat>
+        <inkml:channelProperties>
+          <inkml:channelProperty channel="X" name="resolution" value="1000" units="1/cm"/>
+          <inkml:channelProperty channel="Y" name="resolution" value="1000" units="1/cm"/>
+          <inkml:channelProperty channel="F" name="resolution" value="0" units="1/dev"/>
+        </inkml:channelProperties>
+      </inkml:inkSource>
+      <inkml:timestamp xml:id="ts0" timeString="2024-09-12T07:09:40.776"/>
+    </inkml:context>
+    <inkml:brush xml:id="br0">
+      <inkml:brushProperty name="width" value="0.035" units="cm"/>
+      <inkml:brushProperty name="height" value="0.035" units="cm"/>
+      <inkml:brushProperty name="color" value="#E71224"/>
+    </inkml:brush>
+  </inkml:definitions>
+  <inkml:trace contextRef="#ctx0" brushRef="#br0">0 0 24575</inkml:trace>
+</inkml:ink>
+</file>
+
+<file path=ppt/ink/ink32.xml><?xml version="1.0" encoding="utf-8"?>
+<inkml:ink xmlns:inkml="http://www.w3.org/2003/InkML">
+  <inkml:definitions>
+    <inkml:context xml:id="ctx0">
+      <inkml:inkSource xml:id="inkSrc0">
+        <inkml:traceFormat>
+          <inkml:channel name="X" type="integer" min="-2.14748E9" max="2.14748E9" units="cm"/>
+          <inkml:channel name="Y" type="integer" min="-2.14748E9" max="2.14748E9" units="cm"/>
+          <inkml:channel name="F" type="integer" max="32767" units="dev"/>
+        </inkml:traceFormat>
+        <inkml:channelProperties>
+          <inkml:channelProperty channel="X" name="resolution" value="1000" units="1/cm"/>
+          <inkml:channelProperty channel="Y" name="resolution" value="1000" units="1/cm"/>
+          <inkml:channelProperty channel="F" name="resolution" value="0" units="1/dev"/>
+        </inkml:channelProperties>
+      </inkml:inkSource>
+      <inkml:timestamp xml:id="ts0" timeString="2024-09-12T07:09:40.776"/>
+    </inkml:context>
+    <inkml:brush xml:id="br0">
+      <inkml:brushProperty name="width" value="0.035" units="cm"/>
+      <inkml:brushProperty name="height" value="0.035" units="cm"/>
+      <inkml:brushProperty name="color" value="#E71224"/>
+    </inkml:brush>
+  </inkml:definitions>
+  <inkml:trace contextRef="#ctx0" brushRef="#br0">0 0 24575</inkml:trace>
+</inkml:ink>
+</file>
+
+<file path=ppt/ink/ink33.xml><?xml version="1.0" encoding="utf-8"?>
+<inkml:ink xmlns:inkml="http://www.w3.org/2003/InkML">
+  <inkml:definitions>
+    <inkml:context xml:id="ctx0">
+      <inkml:inkSource xml:id="inkSrc0">
+        <inkml:traceFormat>
+          <inkml:channel name="X" type="integer" min="-2.14748E9" max="2.14748E9" units="cm"/>
+          <inkml:channel name="Y" type="integer" min="-2.14748E9" max="2.14748E9" units="cm"/>
+          <inkml:channel name="F" type="integer" max="32767" units="dev"/>
+        </inkml:traceFormat>
+        <inkml:channelProperties>
+          <inkml:channelProperty channel="X" name="resolution" value="1000" units="1/cm"/>
+          <inkml:channelProperty channel="Y" name="resolution" value="1000" units="1/cm"/>
+          <inkml:channelProperty channel="F" name="resolution" value="0" units="1/dev"/>
+        </inkml:channelProperties>
+      </inkml:inkSource>
+      <inkml:timestamp xml:id="ts0" timeString="2024-09-12T07:09:40.776"/>
+    </inkml:context>
+    <inkml:brush xml:id="br0">
+      <inkml:brushProperty name="width" value="0.035" units="cm"/>
+      <inkml:brushProperty name="height" value="0.035" units="cm"/>
+      <inkml:brushProperty name="color" value="#E71224"/>
+    </inkml:brush>
+  </inkml:definitions>
+  <inkml:trace contextRef="#ctx0" brushRef="#br0">0 0 24575</inkml:trace>
 </inkml:ink>
 </file>
 
@@ -332,7 +957,7 @@
           <inkml:channelProperty channel="F" name="resolution" value="0" units="1/dev"/>
         </inkml:channelProperties>
       </inkml:inkSource>
-      <inkml:timestamp xml:id="ts0" timeString="2024-09-12T07:09:40.776"/>
+      <inkml:timestamp xml:id="ts0" timeString="2024-09-23T01:53:54.066"/>
     </inkml:context>
     <inkml:brush xml:id="br0">
       <inkml:brushProperty name="width" value="0.035" units="cm"/>
@@ -340,7 +965,7 @@
       <inkml:brushProperty name="color" value="#E71224"/>
     </inkml:brush>
   </inkml:definitions>
-  <inkml:trace contextRef="#ctx0" brushRef="#br0">0 0 24575</inkml:trace>
+  <inkml:trace contextRef="#ctx0" brushRef="#br0">0 0 24575,'29'0'0,"131"6"0,-138-3 0,0 0 0,0 2 0,-1 0 0,1 2 0,26 11 0,116 44 0,-10-5 0,328 125 0,-324-126 0,-57-17 0,50 17 0,124 30 0,356 62 0,-456-119 0,373 52 0,-516-77 0,352 24 0,-161-15 0,-5-1 0,610-13 0,-793 0 0,64-13 0,-22 2 0,-28 4 0,0-2 0,50-18 0,-21 5 0,14 0 0,86-26 0,60-30 0,-87 23 0,51-21 0,-121 35 0,-2-4 0,142-107 0,-203 139 0,163-107 0,-124 84 0,-22 18-59,16-8 219,-49 25-258,1 0 1,-1 0-1,1 0 0,-1 0 0,0 0 1,0 0-1,0-1 0,0 1 0,0-1 1,0 1-1,-1-1 0,1 0 0,-1 0 1,1-3-1,0-4-6728</inkml:trace>
 </inkml:ink>
 </file>
 
@@ -360,7 +985,7 @@
           <inkml:channelProperty channel="F" name="resolution" value="0" units="1/dev"/>
         </inkml:channelProperties>
       </inkml:inkSource>
-      <inkml:timestamp xml:id="ts0" timeString="2024-09-12T07:09:40.776"/>
+      <inkml:timestamp xml:id="ts0" timeString="2024-09-23T01:54:19.435"/>
     </inkml:context>
     <inkml:brush xml:id="br0">
       <inkml:brushProperty name="width" value="0.035" units="cm"/>
@@ -368,7 +993,7 @@
       <inkml:brushProperty name="color" value="#E71224"/>
     </inkml:brush>
   </inkml:definitions>
-  <inkml:trace contextRef="#ctx0" brushRef="#br0">0 0 24575</inkml:trace>
+  <inkml:trace contextRef="#ctx0" brushRef="#br0">4605 30 24575,'-1413'0'0,"1217"-14"0,3 0 0,64 13 0,-237 4 0,-32 52 0,286-35 0,1 0 0,-126 18 0,157-26 0,39-6 0,-46 2 0,44-5 0,-47 9 0,12 0 0,1-1 0,41-5 0,-62 3 0,69-7 0,-51 9 0,-23 2 0,67-11 0,-42 9 0,44-5 0,-56 2 0,52-8 0,4 0 0,1 0 0,0 3 0,-51 9 0,52-6 0,20-5 0,1 1 0,-1 1 0,1 0 0,0 0 0,-19 9 0,28-11 0,0 0 0,0 0 0,0 1 0,0-1 0,1 1 0,-1-1 0,0 1 0,1-1 0,0 1 0,-1 0 0,1 0 0,0 0 0,0 0 0,0 0 0,0 0 0,0 0 0,0 0 0,0 0 0,1 0 0,-1 1 0,1-1 0,0 0 0,0 0 0,0 1 0,0-1 0,0 0 0,0 0 0,0 1 0,1-1 0,-1 0 0,1 0 0,0 0 0,-1 0 0,1 1 0,2 2 0,4 6 0,-1-1 0,1 0 0,1-1 0,0 1 0,0-1 0,1-1 0,0 0 0,1 0 0,0-1 0,0 0 0,11 6 0,-2-1 0,-2 1 0,20 18 0,5 8 0,2-2 0,1-2 0,2-2 0,1-2 0,95 45 0,-73-43 0,1-4 0,1-3 0,0-4 0,85 16 0,217 14 0,-273-44 0,144-8 0,-96-3 0,1419 3 0,-1538-1 0,60-12 0,-59 8 0,56-4 0,-59 9 0,21 0 0,0-2 0,63-10 0,-53 4 0,0 3 0,115 5 0,-69 2 0,-82 0 0,0 0 0,40 10 0,-13-1 0,2 0 0,-35-6 0,1-1 0,27 2 0,75 10 0,-55-5 0,0-1 0,-21-3 0,86 3 0,-93-8 0,57 9 0,23 2 0,-38-6 0,-1 3 0,147 39 0,-210-45 0,22 5 0,312 65 0,-274-67 0,147-6 0,-95-4 0,455 3 0,-552-1 0,59-12 0,-58 8 0,57-4 0,-39 6 0,55-9 0,-21 1 0,-13-2 0,-50 9 0,1 0 0,28-1 0,43-8 0,-68 8 0,45-3 0,94 10 0,72-4 0,-217-1 0,-1 0 0,0-1 0,1 0 0,-1-1 0,-1-2 0,19-8 0,94-58 0,-52 27 0,-53 31 0,35-29 0,-20 14 0,-22 17 0,-1 0 0,0-2 0,-1 0 0,0-1 0,23-34 0,-31 41 0,-1-1 0,0 0 0,-1-1 0,0 0 0,-1 0 0,0 0 0,-1 0 0,0 0 0,0-1 0,-1 1 0,-1-1 0,0-16 0,-1 25 0,-1-1 0,1 1 0,-1 0 0,0-1 0,-1 1 0,1 0 0,0 0 0,-1 0 0,0 0 0,0 0 0,0 0 0,0 0 0,0 1 0,0-1 0,-1 1 0,1-1 0,-1 1 0,0 0 0,0 0 0,0 0 0,-5-2 0,-8-4 0,-1 0 0,-35-10 0,20 7 0,-50-15 0,-161-29 0,175 42 0,27 6 0,-41 0 0,-34-5 0,45 4 0,-1 2 0,-128 7 0,67 2 0,-119-5 0,-274 5 0,241 25 0,61-3 0,-5 3 0,35-4 0,-225 30 0,323-42 0,50-5 0,-65 0 0,79-5 0,-56 9 0,55-5 0,-51 1 0,-41-9 0,-94 4 0,86 24 0,87-20-1365,29 0-5461</inkml:trace>
 </inkml:ink>
 </file>
 
@@ -388,7 +1013,7 @@
           <inkml:channelProperty channel="F" name="resolution" value="0" units="1/dev"/>
         </inkml:channelProperties>
       </inkml:inkSource>
-      <inkml:timestamp xml:id="ts0" timeString="2024-09-12T07:09:40.776"/>
+      <inkml:timestamp xml:id="ts0" timeString="2024-09-23T01:54:45.603"/>
     </inkml:context>
     <inkml:brush xml:id="br0">
       <inkml:brushProperty name="width" value="0.035" units="cm"/>
@@ -396,7 +1021,7 @@
       <inkml:brushProperty name="color" value="#E71224"/>
     </inkml:brush>
   </inkml:definitions>
-  <inkml:trace contextRef="#ctx0" brushRef="#br0">0 0 24575</inkml:trace>
+  <inkml:trace contextRef="#ctx0" brushRef="#br0">0 0 24575,'13'2'0,"0"0"0,0 0 0,-1 2 0,1-1 0,15 8 0,6 1 0,158 52 0,-77-24 0,136 30 0,116 24 0,-186-43 0,705 151 0,-188-115 0,-600-78 0,314 21 0,-181-7 0,51 3 0,-175-11 0,299 34 0,-144-12 0,-168-20 0,191 8 0,465-27 0,-735 2 0,0-2 0,0 0 0,-1 0 0,1-2 0,-1 1 0,1-2 0,18-8 0,94-56 0,-36 19 0,-15 9 0,-53 26 0,0 2 0,2 2 0,-1 0 0,31-9 0,183-54 0,37-32 0,-227 85 0,-29 11 0,0 2 0,0 0 0,27-6 0,176-48 0,-175 48 0,14-8 42,-36 13-746,46-12 1,-51 18-6123</inkml:trace>
 </inkml:ink>
 </file>
 
@@ -3690,6 +4315,1043 @@
 </p:sld>
 </file>
 
+<file path=ppt/slides/slide10.xml><?xml version="1.0" encoding="utf-8"?>
+<p:sld xmlns:a="http://schemas.openxmlformats.org/drawingml/2006/main" xmlns:r="http://schemas.openxmlformats.org/officeDocument/2006/relationships" xmlns:p="http://schemas.openxmlformats.org/presentationml/2006/main">
+  <p:cSld>
+    <p:spTree>
+      <p:nvGrpSpPr>
+        <p:cNvPr id="1" name=""/>
+        <p:cNvGrpSpPr/>
+        <p:nvPr/>
+      </p:nvGrpSpPr>
+      <p:grpSpPr>
+        <a:xfrm>
+          <a:off x="0" y="0"/>
+          <a:ext cx="0" cy="0"/>
+          <a:chOff x="0" y="0"/>
+          <a:chExt cx="0" cy="0"/>
+        </a:xfrm>
+      </p:grpSpPr>
+      <mc:AlternateContent xmlns:mc="http://schemas.openxmlformats.org/markup-compatibility/2006" xmlns:p14="http://schemas.microsoft.com/office/powerpoint/2010/main">
+        <mc:Choice Requires="p14">
+          <p:contentPart p14:bwMode="auto" r:id="rId2">
+            <p14:nvContentPartPr>
+              <p14:cNvPr id="2" name="잉크 1">
+                <a:extLst>
+                  <a:ext uri="{FF2B5EF4-FFF2-40B4-BE49-F238E27FC236}">
+                    <a16:creationId xmlns:a16="http://schemas.microsoft.com/office/drawing/2014/main" id="{725BF25A-B926-9D76-930D-135B89C6856E}"/>
+                  </a:ext>
+                </a:extLst>
+              </p14:cNvPr>
+              <p14:cNvContentPartPr/>
+              <p14:nvPr/>
+            </p14:nvContentPartPr>
+            <p14:xfrm>
+              <a:off x="4133685" y="3695685"/>
+              <a:ext cx="360" cy="360"/>
+            </p14:xfrm>
+          </p:contentPart>
+        </mc:Choice>
+        <mc:Fallback xmlns="">
+          <p:pic>
+            <p:nvPicPr>
+              <p:cNvPr id="2" name="잉크 1">
+                <a:extLst>
+                  <a:ext uri="{FF2B5EF4-FFF2-40B4-BE49-F238E27FC236}">
+                    <a16:creationId xmlns:a16="http://schemas.microsoft.com/office/drawing/2014/main" id="{725BF25A-B926-9D76-930D-135B89C6856E}"/>
+                  </a:ext>
+                </a:extLst>
+              </p:cNvPr>
+              <p:cNvPicPr/>
+              <p:nvPr/>
+            </p:nvPicPr>
+            <p:blipFill>
+              <a:blip r:embed="rId3"/>
+              <a:stretch>
+                <a:fillRect/>
+              </a:stretch>
+            </p:blipFill>
+            <p:spPr>
+              <a:xfrm>
+                <a:off x="4127565" y="3689565"/>
+                <a:ext cx="12600" cy="12600"/>
+              </a:xfrm>
+              <a:prstGeom prst="rect">
+                <a:avLst/>
+              </a:prstGeom>
+            </p:spPr>
+          </p:pic>
+        </mc:Fallback>
+      </mc:AlternateContent>
+      <p:pic>
+        <p:nvPicPr>
+          <p:cNvPr id="7" name="그림 6">
+            <a:extLst>
+              <a:ext uri="{FF2B5EF4-FFF2-40B4-BE49-F238E27FC236}">
+                <a16:creationId xmlns:a16="http://schemas.microsoft.com/office/drawing/2014/main" id="{BBD8626F-66C3-C67C-EE08-A471841636B9}"/>
+              </a:ext>
+            </a:extLst>
+          </p:cNvPr>
+          <p:cNvPicPr>
+            <a:picLocks noChangeAspect="1"/>
+          </p:cNvPicPr>
+          <p:nvPr/>
+        </p:nvPicPr>
+        <p:blipFill>
+          <a:blip r:embed="rId4"/>
+          <a:stretch>
+            <a:fillRect/>
+          </a:stretch>
+        </p:blipFill>
+        <p:spPr>
+          <a:xfrm>
+            <a:off x="519497" y="0"/>
+            <a:ext cx="10745700" cy="4001058"/>
+          </a:xfrm>
+          <a:prstGeom prst="rect">
+            <a:avLst/>
+          </a:prstGeom>
+        </p:spPr>
+      </p:pic>
+      <p:pic>
+        <p:nvPicPr>
+          <p:cNvPr id="9" name="그림 8">
+            <a:extLst>
+              <a:ext uri="{FF2B5EF4-FFF2-40B4-BE49-F238E27FC236}">
+                <a16:creationId xmlns:a16="http://schemas.microsoft.com/office/drawing/2014/main" id="{DB2978CC-101E-0293-2CDB-653D714A8915}"/>
+              </a:ext>
+            </a:extLst>
+          </p:cNvPr>
+          <p:cNvPicPr>
+            <a:picLocks noChangeAspect="1"/>
+          </p:cNvPicPr>
+          <p:nvPr/>
+        </p:nvPicPr>
+        <p:blipFill>
+          <a:blip r:embed="rId5"/>
+          <a:stretch>
+            <a:fillRect/>
+          </a:stretch>
+        </p:blipFill>
+        <p:spPr>
+          <a:xfrm>
+            <a:off x="519497" y="4619568"/>
+            <a:ext cx="8907118" cy="2772162"/>
+          </a:xfrm>
+          <a:prstGeom prst="rect">
+            <a:avLst/>
+          </a:prstGeom>
+        </p:spPr>
+      </p:pic>
+    </p:spTree>
+    <p:extLst>
+      <p:ext uri="{BB962C8B-B14F-4D97-AF65-F5344CB8AC3E}">
+        <p14:creationId xmlns:p14="http://schemas.microsoft.com/office/powerpoint/2010/main" val="838576786"/>
+      </p:ext>
+    </p:extLst>
+  </p:cSld>
+  <p:clrMapOvr>
+    <a:masterClrMapping/>
+  </p:clrMapOvr>
+</p:sld>
+</file>
+
+<file path=ppt/slides/slide11.xml><?xml version="1.0" encoding="utf-8"?>
+<p:sld xmlns:a="http://schemas.openxmlformats.org/drawingml/2006/main" xmlns:r="http://schemas.openxmlformats.org/officeDocument/2006/relationships" xmlns:p="http://schemas.openxmlformats.org/presentationml/2006/main">
+  <p:cSld>
+    <p:spTree>
+      <p:nvGrpSpPr>
+        <p:cNvPr id="1" name=""/>
+        <p:cNvGrpSpPr/>
+        <p:nvPr/>
+      </p:nvGrpSpPr>
+      <p:grpSpPr>
+        <a:xfrm>
+          <a:off x="0" y="0"/>
+          <a:ext cx="0" cy="0"/>
+          <a:chOff x="0" y="0"/>
+          <a:chExt cx="0" cy="0"/>
+        </a:xfrm>
+      </p:grpSpPr>
+      <mc:AlternateContent xmlns:mc="http://schemas.openxmlformats.org/markup-compatibility/2006" xmlns:p14="http://schemas.microsoft.com/office/powerpoint/2010/main">
+        <mc:Choice Requires="p14">
+          <p:contentPart p14:bwMode="auto" r:id="rId2">
+            <p14:nvContentPartPr>
+              <p14:cNvPr id="2" name="잉크 1">
+                <a:extLst>
+                  <a:ext uri="{FF2B5EF4-FFF2-40B4-BE49-F238E27FC236}">
+                    <a16:creationId xmlns:a16="http://schemas.microsoft.com/office/drawing/2014/main" id="{725BF25A-B926-9D76-930D-135B89C6856E}"/>
+                  </a:ext>
+                </a:extLst>
+              </p14:cNvPr>
+              <p14:cNvContentPartPr/>
+              <p14:nvPr/>
+            </p14:nvContentPartPr>
+            <p14:xfrm>
+              <a:off x="4133685" y="3695685"/>
+              <a:ext cx="360" cy="360"/>
+            </p14:xfrm>
+          </p:contentPart>
+        </mc:Choice>
+        <mc:Fallback xmlns="">
+          <p:pic>
+            <p:nvPicPr>
+              <p:cNvPr id="2" name="잉크 1">
+                <a:extLst>
+                  <a:ext uri="{FF2B5EF4-FFF2-40B4-BE49-F238E27FC236}">
+                    <a16:creationId xmlns:a16="http://schemas.microsoft.com/office/drawing/2014/main" id="{725BF25A-B926-9D76-930D-135B89C6856E}"/>
+                  </a:ext>
+                </a:extLst>
+              </p:cNvPr>
+              <p:cNvPicPr/>
+              <p:nvPr/>
+            </p:nvPicPr>
+            <p:blipFill>
+              <a:blip r:embed="rId3"/>
+              <a:stretch>
+                <a:fillRect/>
+              </a:stretch>
+            </p:blipFill>
+            <p:spPr>
+              <a:xfrm>
+                <a:off x="4127565" y="3689565"/>
+                <a:ext cx="12600" cy="12600"/>
+              </a:xfrm>
+              <a:prstGeom prst="rect">
+                <a:avLst/>
+              </a:prstGeom>
+            </p:spPr>
+          </p:pic>
+        </mc:Fallback>
+      </mc:AlternateContent>
+      <p:pic>
+        <p:nvPicPr>
+          <p:cNvPr id="4" name="그림 3">
+            <a:extLst>
+              <a:ext uri="{FF2B5EF4-FFF2-40B4-BE49-F238E27FC236}">
+                <a16:creationId xmlns:a16="http://schemas.microsoft.com/office/drawing/2014/main" id="{A6FC4BDC-F980-16A4-3FB5-B7F82F61463E}"/>
+              </a:ext>
+            </a:extLst>
+          </p:cNvPr>
+          <p:cNvPicPr>
+            <a:picLocks noChangeAspect="1"/>
+          </p:cNvPicPr>
+          <p:nvPr/>
+        </p:nvPicPr>
+        <p:blipFill>
+          <a:blip r:embed="rId4"/>
+          <a:stretch>
+            <a:fillRect/>
+          </a:stretch>
+        </p:blipFill>
+        <p:spPr>
+          <a:xfrm>
+            <a:off x="530661" y="729451"/>
+            <a:ext cx="3496163" cy="4934639"/>
+          </a:xfrm>
+          <a:prstGeom prst="rect">
+            <a:avLst/>
+          </a:prstGeom>
+        </p:spPr>
+      </p:pic>
+      <p:sp>
+        <p:nvSpPr>
+          <p:cNvPr id="5" name="직사각형 4">
+            <a:extLst>
+              <a:ext uri="{FF2B5EF4-FFF2-40B4-BE49-F238E27FC236}">
+                <a16:creationId xmlns:a16="http://schemas.microsoft.com/office/drawing/2014/main" id="{9FF91638-6D1E-FE56-B6A3-04B839C2DEEC}"/>
+              </a:ext>
+            </a:extLst>
+          </p:cNvPr>
+          <p:cNvSpPr/>
+          <p:nvPr/>
+        </p:nvSpPr>
+        <p:spPr>
+          <a:xfrm>
+            <a:off x="4543690" y="1317296"/>
+            <a:ext cx="7158066" cy="4435804"/>
+          </a:xfrm>
+          <a:prstGeom prst="rect">
+            <a:avLst/>
+          </a:prstGeom>
+        </p:spPr>
+        <p:style>
+          <a:lnRef idx="2">
+            <a:schemeClr val="accent1">
+              <a:shade val="15000"/>
+            </a:schemeClr>
+          </a:lnRef>
+          <a:fillRef idx="1">
+            <a:schemeClr val="accent1"/>
+          </a:fillRef>
+          <a:effectRef idx="0">
+            <a:schemeClr val="accent1"/>
+          </a:effectRef>
+          <a:fontRef idx="minor">
+            <a:schemeClr val="lt1"/>
+          </a:fontRef>
+        </p:style>
+        <p:txBody>
+          <a:bodyPr rtlCol="0" anchor="ctr"/>
+          <a:lstStyle/>
+          <a:p>
+            <a:pPr algn="ctr"/>
+            <a:r>
+              <a:rPr lang="ko-KR" altLang="en-US" dirty="0"/>
+              <a:t>함수 스택</a:t>
+            </a:r>
+          </a:p>
+        </p:txBody>
+      </p:sp>
+      <p:sp>
+        <p:nvSpPr>
+          <p:cNvPr id="6" name="직사각형 5">
+            <a:extLst>
+              <a:ext uri="{FF2B5EF4-FFF2-40B4-BE49-F238E27FC236}">
+                <a16:creationId xmlns:a16="http://schemas.microsoft.com/office/drawing/2014/main" id="{35CA4D58-9EA2-232A-8D60-AB90CD01BB02}"/>
+              </a:ext>
+            </a:extLst>
+          </p:cNvPr>
+          <p:cNvSpPr/>
+          <p:nvPr/>
+        </p:nvSpPr>
+        <p:spPr>
+          <a:xfrm>
+            <a:off x="4543690" y="4363570"/>
+            <a:ext cx="7158066" cy="1389529"/>
+          </a:xfrm>
+          <a:prstGeom prst="rect">
+            <a:avLst/>
+          </a:prstGeom>
+        </p:spPr>
+        <p:style>
+          <a:lnRef idx="2">
+            <a:schemeClr val="accent5">
+              <a:shade val="15000"/>
+            </a:schemeClr>
+          </a:lnRef>
+          <a:fillRef idx="1">
+            <a:schemeClr val="accent5"/>
+          </a:fillRef>
+          <a:effectRef idx="0">
+            <a:schemeClr val="accent5"/>
+          </a:effectRef>
+          <a:fontRef idx="minor">
+            <a:schemeClr val="lt1"/>
+          </a:fontRef>
+        </p:style>
+        <p:txBody>
+          <a:bodyPr rtlCol="0" anchor="ctr"/>
+          <a:lstStyle/>
+          <a:p>
+            <a:pPr algn="ctr"/>
+            <a:r>
+              <a:rPr lang="en-US" altLang="ko-KR" dirty="0"/>
+              <a:t>Main</a:t>
+            </a:r>
+            <a:endParaRPr lang="ko-KR" altLang="en-US" dirty="0"/>
+          </a:p>
+        </p:txBody>
+      </p:sp>
+      <p:sp>
+        <p:nvSpPr>
+          <p:cNvPr id="7" name="직사각형 6">
+            <a:extLst>
+              <a:ext uri="{FF2B5EF4-FFF2-40B4-BE49-F238E27FC236}">
+                <a16:creationId xmlns:a16="http://schemas.microsoft.com/office/drawing/2014/main" id="{2AEAC582-F242-332B-29EB-C8E6F5CBFBD8}"/>
+              </a:ext>
+            </a:extLst>
+          </p:cNvPr>
+          <p:cNvSpPr/>
+          <p:nvPr/>
+        </p:nvSpPr>
+        <p:spPr>
+          <a:xfrm>
+            <a:off x="4543690" y="3006257"/>
+            <a:ext cx="7158066" cy="1389529"/>
+          </a:xfrm>
+          <a:prstGeom prst="rect">
+            <a:avLst/>
+          </a:prstGeom>
+        </p:spPr>
+        <p:style>
+          <a:lnRef idx="2">
+            <a:schemeClr val="accent4">
+              <a:shade val="15000"/>
+            </a:schemeClr>
+          </a:lnRef>
+          <a:fillRef idx="1">
+            <a:schemeClr val="accent4"/>
+          </a:fillRef>
+          <a:effectRef idx="0">
+            <a:schemeClr val="accent4"/>
+          </a:effectRef>
+          <a:fontRef idx="minor">
+            <a:schemeClr val="lt1"/>
+          </a:fontRef>
+        </p:style>
+        <p:txBody>
+          <a:bodyPr rtlCol="0" anchor="ctr"/>
+          <a:lstStyle/>
+          <a:p>
+            <a:pPr algn="ctr"/>
+            <a:r>
+              <a:rPr lang="en-US" altLang="ko-KR" dirty="0" err="1"/>
+              <a:t>ReturnValue</a:t>
+            </a:r>
+            <a:endParaRPr lang="ko-KR" altLang="en-US" dirty="0"/>
+          </a:p>
+        </p:txBody>
+      </p:sp>
+      <p:sp>
+        <p:nvSpPr>
+          <p:cNvPr id="8" name="직사각형 7">
+            <a:extLst>
+              <a:ext uri="{FF2B5EF4-FFF2-40B4-BE49-F238E27FC236}">
+                <a16:creationId xmlns:a16="http://schemas.microsoft.com/office/drawing/2014/main" id="{8A8E415F-1404-F056-C847-922E69B94A13}"/>
+              </a:ext>
+            </a:extLst>
+          </p:cNvPr>
+          <p:cNvSpPr/>
+          <p:nvPr/>
+        </p:nvSpPr>
+        <p:spPr>
+          <a:xfrm>
+            <a:off x="8915400" y="4686300"/>
+            <a:ext cx="2540000" cy="854404"/>
+          </a:xfrm>
+          <a:prstGeom prst="rect">
+            <a:avLst/>
+          </a:prstGeom>
+        </p:spPr>
+        <p:style>
+          <a:lnRef idx="2">
+            <a:schemeClr val="accent1">
+              <a:shade val="15000"/>
+            </a:schemeClr>
+          </a:lnRef>
+          <a:fillRef idx="1">
+            <a:schemeClr val="accent1"/>
+          </a:fillRef>
+          <a:effectRef idx="0">
+            <a:schemeClr val="accent1"/>
+          </a:effectRef>
+          <a:fontRef idx="minor">
+            <a:schemeClr val="lt1"/>
+          </a:fontRef>
+        </p:style>
+        <p:txBody>
+          <a:bodyPr rtlCol="0" anchor="ctr"/>
+          <a:lstStyle/>
+          <a:p>
+            <a:pPr algn="ctr"/>
+            <a:r>
+              <a:rPr lang="en-US" altLang="ko-KR" dirty="0"/>
+              <a:t>Test</a:t>
+            </a:r>
+            <a:r>
+              <a:rPr lang="ko-KR" altLang="en-US" dirty="0"/>
+              <a:t>의 </a:t>
+            </a:r>
+            <a:r>
+              <a:rPr lang="ko-KR" altLang="en-US" dirty="0" err="1"/>
+              <a:t>리턴값</a:t>
+            </a:r>
+            <a:endParaRPr lang="en-US" altLang="ko-KR" dirty="0"/>
+          </a:p>
+          <a:p>
+            <a:pPr algn="ctr"/>
+            <a:r>
+              <a:rPr lang="en-US" altLang="ko-KR" dirty="0"/>
+              <a:t>Int 4</a:t>
+            </a:r>
+            <a:r>
+              <a:rPr lang="ko-KR" altLang="en-US" dirty="0"/>
+              <a:t>바이트</a:t>
+            </a:r>
+          </a:p>
+        </p:txBody>
+      </p:sp>
+    </p:spTree>
+    <p:extLst>
+      <p:ext uri="{BB962C8B-B14F-4D97-AF65-F5344CB8AC3E}">
+        <p14:creationId xmlns:p14="http://schemas.microsoft.com/office/powerpoint/2010/main" val="4080399970"/>
+      </p:ext>
+    </p:extLst>
+  </p:cSld>
+  <p:clrMapOvr>
+    <a:masterClrMapping/>
+  </p:clrMapOvr>
+</p:sld>
+</file>
+
+<file path=ppt/slides/slide12.xml><?xml version="1.0" encoding="utf-8"?>
+<p:sld xmlns:a="http://schemas.openxmlformats.org/drawingml/2006/main" xmlns:r="http://schemas.openxmlformats.org/officeDocument/2006/relationships" xmlns:p="http://schemas.openxmlformats.org/presentationml/2006/main">
+  <p:cSld>
+    <p:spTree>
+      <p:nvGrpSpPr>
+        <p:cNvPr id="1" name=""/>
+        <p:cNvGrpSpPr/>
+        <p:nvPr/>
+      </p:nvGrpSpPr>
+      <p:grpSpPr>
+        <a:xfrm>
+          <a:off x="0" y="0"/>
+          <a:ext cx="0" cy="0"/>
+          <a:chOff x="0" y="0"/>
+          <a:chExt cx="0" cy="0"/>
+        </a:xfrm>
+      </p:grpSpPr>
+      <mc:AlternateContent xmlns:mc="http://schemas.openxmlformats.org/markup-compatibility/2006" xmlns:p14="http://schemas.microsoft.com/office/powerpoint/2010/main">
+        <mc:Choice Requires="p14">
+          <p:contentPart p14:bwMode="auto" r:id="rId2">
+            <p14:nvContentPartPr>
+              <p14:cNvPr id="2" name="잉크 1">
+                <a:extLst>
+                  <a:ext uri="{FF2B5EF4-FFF2-40B4-BE49-F238E27FC236}">
+                    <a16:creationId xmlns:a16="http://schemas.microsoft.com/office/drawing/2014/main" id="{725BF25A-B926-9D76-930D-135B89C6856E}"/>
+                  </a:ext>
+                </a:extLst>
+              </p14:cNvPr>
+              <p14:cNvContentPartPr/>
+              <p14:nvPr/>
+            </p14:nvContentPartPr>
+            <p14:xfrm>
+              <a:off x="4133685" y="3695685"/>
+              <a:ext cx="360" cy="360"/>
+            </p14:xfrm>
+          </p:contentPart>
+        </mc:Choice>
+        <mc:Fallback xmlns="">
+          <p:pic>
+            <p:nvPicPr>
+              <p:cNvPr id="2" name="잉크 1">
+                <a:extLst>
+                  <a:ext uri="{FF2B5EF4-FFF2-40B4-BE49-F238E27FC236}">
+                    <a16:creationId xmlns:a16="http://schemas.microsoft.com/office/drawing/2014/main" id="{725BF25A-B926-9D76-930D-135B89C6856E}"/>
+                  </a:ext>
+                </a:extLst>
+              </p:cNvPr>
+              <p:cNvPicPr/>
+              <p:nvPr/>
+            </p:nvPicPr>
+            <p:blipFill>
+              <a:blip r:embed="rId3"/>
+              <a:stretch>
+                <a:fillRect/>
+              </a:stretch>
+            </p:blipFill>
+            <p:spPr>
+              <a:xfrm>
+                <a:off x="4127565" y="3689565"/>
+                <a:ext cx="12600" cy="12600"/>
+              </a:xfrm>
+              <a:prstGeom prst="rect">
+                <a:avLst/>
+              </a:prstGeom>
+            </p:spPr>
+          </p:pic>
+        </mc:Fallback>
+      </mc:AlternateContent>
+    </p:spTree>
+    <p:extLst>
+      <p:ext uri="{BB962C8B-B14F-4D97-AF65-F5344CB8AC3E}">
+        <p14:creationId xmlns:p14="http://schemas.microsoft.com/office/powerpoint/2010/main" val="798579818"/>
+      </p:ext>
+    </p:extLst>
+  </p:cSld>
+  <p:clrMapOvr>
+    <a:masterClrMapping/>
+  </p:clrMapOvr>
+</p:sld>
+</file>
+
+<file path=ppt/slides/slide13.xml><?xml version="1.0" encoding="utf-8"?>
+<p:sld xmlns:a="http://schemas.openxmlformats.org/drawingml/2006/main" xmlns:r="http://schemas.openxmlformats.org/officeDocument/2006/relationships" xmlns:p="http://schemas.openxmlformats.org/presentationml/2006/main">
+  <p:cSld>
+    <p:spTree>
+      <p:nvGrpSpPr>
+        <p:cNvPr id="1" name=""/>
+        <p:cNvGrpSpPr/>
+        <p:nvPr/>
+      </p:nvGrpSpPr>
+      <p:grpSpPr>
+        <a:xfrm>
+          <a:off x="0" y="0"/>
+          <a:ext cx="0" cy="0"/>
+          <a:chOff x="0" y="0"/>
+          <a:chExt cx="0" cy="0"/>
+        </a:xfrm>
+      </p:grpSpPr>
+      <mc:AlternateContent xmlns:mc="http://schemas.openxmlformats.org/markup-compatibility/2006" xmlns:p14="http://schemas.microsoft.com/office/powerpoint/2010/main">
+        <mc:Choice Requires="p14">
+          <p:contentPart p14:bwMode="auto" r:id="rId2">
+            <p14:nvContentPartPr>
+              <p14:cNvPr id="2" name="잉크 1">
+                <a:extLst>
+                  <a:ext uri="{FF2B5EF4-FFF2-40B4-BE49-F238E27FC236}">
+                    <a16:creationId xmlns:a16="http://schemas.microsoft.com/office/drawing/2014/main" id="{725BF25A-B926-9D76-930D-135B89C6856E}"/>
+                  </a:ext>
+                </a:extLst>
+              </p14:cNvPr>
+              <p14:cNvContentPartPr/>
+              <p14:nvPr/>
+            </p14:nvContentPartPr>
+            <p14:xfrm>
+              <a:off x="4133685" y="3695685"/>
+              <a:ext cx="360" cy="360"/>
+            </p14:xfrm>
+          </p:contentPart>
+        </mc:Choice>
+        <mc:Fallback xmlns="">
+          <p:pic>
+            <p:nvPicPr>
+              <p:cNvPr id="2" name="잉크 1">
+                <a:extLst>
+                  <a:ext uri="{FF2B5EF4-FFF2-40B4-BE49-F238E27FC236}">
+                    <a16:creationId xmlns:a16="http://schemas.microsoft.com/office/drawing/2014/main" id="{725BF25A-B926-9D76-930D-135B89C6856E}"/>
+                  </a:ext>
+                </a:extLst>
+              </p:cNvPr>
+              <p:cNvPicPr/>
+              <p:nvPr/>
+            </p:nvPicPr>
+            <p:blipFill>
+              <a:blip r:embed="rId3"/>
+              <a:stretch>
+                <a:fillRect/>
+              </a:stretch>
+            </p:blipFill>
+            <p:spPr>
+              <a:xfrm>
+                <a:off x="4127565" y="3689565"/>
+                <a:ext cx="12600" cy="12600"/>
+              </a:xfrm>
+              <a:prstGeom prst="rect">
+                <a:avLst/>
+              </a:prstGeom>
+            </p:spPr>
+          </p:pic>
+        </mc:Fallback>
+      </mc:AlternateContent>
+    </p:spTree>
+    <p:extLst>
+      <p:ext uri="{BB962C8B-B14F-4D97-AF65-F5344CB8AC3E}">
+        <p14:creationId xmlns:p14="http://schemas.microsoft.com/office/powerpoint/2010/main" val="4281381367"/>
+      </p:ext>
+    </p:extLst>
+  </p:cSld>
+  <p:clrMapOvr>
+    <a:masterClrMapping/>
+  </p:clrMapOvr>
+</p:sld>
+</file>
+
+<file path=ppt/slides/slide14.xml><?xml version="1.0" encoding="utf-8"?>
+<p:sld xmlns:a="http://schemas.openxmlformats.org/drawingml/2006/main" xmlns:r="http://schemas.openxmlformats.org/officeDocument/2006/relationships" xmlns:p="http://schemas.openxmlformats.org/presentationml/2006/main">
+  <p:cSld>
+    <p:spTree>
+      <p:nvGrpSpPr>
+        <p:cNvPr id="1" name=""/>
+        <p:cNvGrpSpPr/>
+        <p:nvPr/>
+      </p:nvGrpSpPr>
+      <p:grpSpPr>
+        <a:xfrm>
+          <a:off x="0" y="0"/>
+          <a:ext cx="0" cy="0"/>
+          <a:chOff x="0" y="0"/>
+          <a:chExt cx="0" cy="0"/>
+        </a:xfrm>
+      </p:grpSpPr>
+      <mc:AlternateContent xmlns:mc="http://schemas.openxmlformats.org/markup-compatibility/2006" xmlns:p14="http://schemas.microsoft.com/office/powerpoint/2010/main">
+        <mc:Choice Requires="p14">
+          <p:contentPart p14:bwMode="auto" r:id="rId2">
+            <p14:nvContentPartPr>
+              <p14:cNvPr id="2" name="잉크 1">
+                <a:extLst>
+                  <a:ext uri="{FF2B5EF4-FFF2-40B4-BE49-F238E27FC236}">
+                    <a16:creationId xmlns:a16="http://schemas.microsoft.com/office/drawing/2014/main" id="{725BF25A-B926-9D76-930D-135B89C6856E}"/>
+                  </a:ext>
+                </a:extLst>
+              </p14:cNvPr>
+              <p14:cNvContentPartPr/>
+              <p14:nvPr/>
+            </p14:nvContentPartPr>
+            <p14:xfrm>
+              <a:off x="4133685" y="3695685"/>
+              <a:ext cx="360" cy="360"/>
+            </p14:xfrm>
+          </p:contentPart>
+        </mc:Choice>
+        <mc:Fallback xmlns="">
+          <p:pic>
+            <p:nvPicPr>
+              <p:cNvPr id="2" name="잉크 1">
+                <a:extLst>
+                  <a:ext uri="{FF2B5EF4-FFF2-40B4-BE49-F238E27FC236}">
+                    <a16:creationId xmlns:a16="http://schemas.microsoft.com/office/drawing/2014/main" id="{725BF25A-B926-9D76-930D-135B89C6856E}"/>
+                  </a:ext>
+                </a:extLst>
+              </p:cNvPr>
+              <p:cNvPicPr/>
+              <p:nvPr/>
+            </p:nvPicPr>
+            <p:blipFill>
+              <a:blip r:embed="rId3"/>
+              <a:stretch>
+                <a:fillRect/>
+              </a:stretch>
+            </p:blipFill>
+            <p:spPr>
+              <a:xfrm>
+                <a:off x="4127565" y="3689565"/>
+                <a:ext cx="12600" cy="12600"/>
+              </a:xfrm>
+              <a:prstGeom prst="rect">
+                <a:avLst/>
+              </a:prstGeom>
+            </p:spPr>
+          </p:pic>
+        </mc:Fallback>
+      </mc:AlternateContent>
+    </p:spTree>
+    <p:extLst>
+      <p:ext uri="{BB962C8B-B14F-4D97-AF65-F5344CB8AC3E}">
+        <p14:creationId xmlns:p14="http://schemas.microsoft.com/office/powerpoint/2010/main" val="2107078732"/>
+      </p:ext>
+    </p:extLst>
+  </p:cSld>
+  <p:clrMapOvr>
+    <a:masterClrMapping/>
+  </p:clrMapOvr>
+</p:sld>
+</file>
+
+<file path=ppt/slides/slide15.xml><?xml version="1.0" encoding="utf-8"?>
+<p:sld xmlns:a="http://schemas.openxmlformats.org/drawingml/2006/main" xmlns:r="http://schemas.openxmlformats.org/officeDocument/2006/relationships" xmlns:p="http://schemas.openxmlformats.org/presentationml/2006/main">
+  <p:cSld>
+    <p:spTree>
+      <p:nvGrpSpPr>
+        <p:cNvPr id="1" name=""/>
+        <p:cNvGrpSpPr/>
+        <p:nvPr/>
+      </p:nvGrpSpPr>
+      <p:grpSpPr>
+        <a:xfrm>
+          <a:off x="0" y="0"/>
+          <a:ext cx="0" cy="0"/>
+          <a:chOff x="0" y="0"/>
+          <a:chExt cx="0" cy="0"/>
+        </a:xfrm>
+      </p:grpSpPr>
+      <mc:AlternateContent xmlns:mc="http://schemas.openxmlformats.org/markup-compatibility/2006" xmlns:p14="http://schemas.microsoft.com/office/powerpoint/2010/main">
+        <mc:Choice Requires="p14">
+          <p:contentPart p14:bwMode="auto" r:id="rId2">
+            <p14:nvContentPartPr>
+              <p14:cNvPr id="2" name="잉크 1">
+                <a:extLst>
+                  <a:ext uri="{FF2B5EF4-FFF2-40B4-BE49-F238E27FC236}">
+                    <a16:creationId xmlns:a16="http://schemas.microsoft.com/office/drawing/2014/main" id="{725BF25A-B926-9D76-930D-135B89C6856E}"/>
+                  </a:ext>
+                </a:extLst>
+              </p14:cNvPr>
+              <p14:cNvContentPartPr/>
+              <p14:nvPr/>
+            </p14:nvContentPartPr>
+            <p14:xfrm>
+              <a:off x="4133685" y="3695685"/>
+              <a:ext cx="360" cy="360"/>
+            </p14:xfrm>
+          </p:contentPart>
+        </mc:Choice>
+        <mc:Fallback xmlns="">
+          <p:pic>
+            <p:nvPicPr>
+              <p:cNvPr id="2" name="잉크 1">
+                <a:extLst>
+                  <a:ext uri="{FF2B5EF4-FFF2-40B4-BE49-F238E27FC236}">
+                    <a16:creationId xmlns:a16="http://schemas.microsoft.com/office/drawing/2014/main" id="{725BF25A-B926-9D76-930D-135B89C6856E}"/>
+                  </a:ext>
+                </a:extLst>
+              </p:cNvPr>
+              <p:cNvPicPr/>
+              <p:nvPr/>
+            </p:nvPicPr>
+            <p:blipFill>
+              <a:blip r:embed="rId3"/>
+              <a:stretch>
+                <a:fillRect/>
+              </a:stretch>
+            </p:blipFill>
+            <p:spPr>
+              <a:xfrm>
+                <a:off x="4127565" y="3689565"/>
+                <a:ext cx="12600" cy="12600"/>
+              </a:xfrm>
+              <a:prstGeom prst="rect">
+                <a:avLst/>
+              </a:prstGeom>
+            </p:spPr>
+          </p:pic>
+        </mc:Fallback>
+      </mc:AlternateContent>
+    </p:spTree>
+    <p:extLst>
+      <p:ext uri="{BB962C8B-B14F-4D97-AF65-F5344CB8AC3E}">
+        <p14:creationId xmlns:p14="http://schemas.microsoft.com/office/powerpoint/2010/main" val="822766730"/>
+      </p:ext>
+    </p:extLst>
+  </p:cSld>
+  <p:clrMapOvr>
+    <a:masterClrMapping/>
+  </p:clrMapOvr>
+</p:sld>
+</file>
+
+<file path=ppt/slides/slide16.xml><?xml version="1.0" encoding="utf-8"?>
+<p:sld xmlns:a="http://schemas.openxmlformats.org/drawingml/2006/main" xmlns:r="http://schemas.openxmlformats.org/officeDocument/2006/relationships" xmlns:p="http://schemas.openxmlformats.org/presentationml/2006/main">
+  <p:cSld>
+    <p:spTree>
+      <p:nvGrpSpPr>
+        <p:cNvPr id="1" name=""/>
+        <p:cNvGrpSpPr/>
+        <p:nvPr/>
+      </p:nvGrpSpPr>
+      <p:grpSpPr>
+        <a:xfrm>
+          <a:off x="0" y="0"/>
+          <a:ext cx="0" cy="0"/>
+          <a:chOff x="0" y="0"/>
+          <a:chExt cx="0" cy="0"/>
+        </a:xfrm>
+      </p:grpSpPr>
+      <mc:AlternateContent xmlns:mc="http://schemas.openxmlformats.org/markup-compatibility/2006" xmlns:p14="http://schemas.microsoft.com/office/powerpoint/2010/main">
+        <mc:Choice Requires="p14">
+          <p:contentPart p14:bwMode="auto" r:id="rId2">
+            <p14:nvContentPartPr>
+              <p14:cNvPr id="2" name="잉크 1">
+                <a:extLst>
+                  <a:ext uri="{FF2B5EF4-FFF2-40B4-BE49-F238E27FC236}">
+                    <a16:creationId xmlns:a16="http://schemas.microsoft.com/office/drawing/2014/main" id="{725BF25A-B926-9D76-930D-135B89C6856E}"/>
+                  </a:ext>
+                </a:extLst>
+              </p14:cNvPr>
+              <p14:cNvContentPartPr/>
+              <p14:nvPr/>
+            </p14:nvContentPartPr>
+            <p14:xfrm>
+              <a:off x="4133685" y="3695685"/>
+              <a:ext cx="360" cy="360"/>
+            </p14:xfrm>
+          </p:contentPart>
+        </mc:Choice>
+        <mc:Fallback xmlns="">
+          <p:pic>
+            <p:nvPicPr>
+              <p:cNvPr id="2" name="잉크 1">
+                <a:extLst>
+                  <a:ext uri="{FF2B5EF4-FFF2-40B4-BE49-F238E27FC236}">
+                    <a16:creationId xmlns:a16="http://schemas.microsoft.com/office/drawing/2014/main" id="{725BF25A-B926-9D76-930D-135B89C6856E}"/>
+                  </a:ext>
+                </a:extLst>
+              </p:cNvPr>
+              <p:cNvPicPr/>
+              <p:nvPr/>
+            </p:nvPicPr>
+            <p:blipFill>
+              <a:blip r:embed="rId3"/>
+              <a:stretch>
+                <a:fillRect/>
+              </a:stretch>
+            </p:blipFill>
+            <p:spPr>
+              <a:xfrm>
+                <a:off x="4127565" y="3689565"/>
+                <a:ext cx="12600" cy="12600"/>
+              </a:xfrm>
+              <a:prstGeom prst="rect">
+                <a:avLst/>
+              </a:prstGeom>
+            </p:spPr>
+          </p:pic>
+        </mc:Fallback>
+      </mc:AlternateContent>
+    </p:spTree>
+    <p:extLst>
+      <p:ext uri="{BB962C8B-B14F-4D97-AF65-F5344CB8AC3E}">
+        <p14:creationId xmlns:p14="http://schemas.microsoft.com/office/powerpoint/2010/main" val="2593256685"/>
+      </p:ext>
+    </p:extLst>
+  </p:cSld>
+  <p:clrMapOvr>
+    <a:masterClrMapping/>
+  </p:clrMapOvr>
+</p:sld>
+</file>
+
+<file path=ppt/slides/slide17.xml><?xml version="1.0" encoding="utf-8"?>
+<p:sld xmlns:a="http://schemas.openxmlformats.org/drawingml/2006/main" xmlns:r="http://schemas.openxmlformats.org/officeDocument/2006/relationships" xmlns:p="http://schemas.openxmlformats.org/presentationml/2006/main">
+  <p:cSld>
+    <p:spTree>
+      <p:nvGrpSpPr>
+        <p:cNvPr id="1" name=""/>
+        <p:cNvGrpSpPr/>
+        <p:nvPr/>
+      </p:nvGrpSpPr>
+      <p:grpSpPr>
+        <a:xfrm>
+          <a:off x="0" y="0"/>
+          <a:ext cx="0" cy="0"/>
+          <a:chOff x="0" y="0"/>
+          <a:chExt cx="0" cy="0"/>
+        </a:xfrm>
+      </p:grpSpPr>
+      <mc:AlternateContent xmlns:mc="http://schemas.openxmlformats.org/markup-compatibility/2006" xmlns:p14="http://schemas.microsoft.com/office/powerpoint/2010/main">
+        <mc:Choice Requires="p14">
+          <p:contentPart p14:bwMode="auto" r:id="rId2">
+            <p14:nvContentPartPr>
+              <p14:cNvPr id="2" name="잉크 1">
+                <a:extLst>
+                  <a:ext uri="{FF2B5EF4-FFF2-40B4-BE49-F238E27FC236}">
+                    <a16:creationId xmlns:a16="http://schemas.microsoft.com/office/drawing/2014/main" id="{725BF25A-B926-9D76-930D-135B89C6856E}"/>
+                  </a:ext>
+                </a:extLst>
+              </p14:cNvPr>
+              <p14:cNvContentPartPr/>
+              <p14:nvPr/>
+            </p14:nvContentPartPr>
+            <p14:xfrm>
+              <a:off x="4133685" y="3695685"/>
+              <a:ext cx="360" cy="360"/>
+            </p14:xfrm>
+          </p:contentPart>
+        </mc:Choice>
+        <mc:Fallback xmlns="">
+          <p:pic>
+            <p:nvPicPr>
+              <p:cNvPr id="2" name="잉크 1">
+                <a:extLst>
+                  <a:ext uri="{FF2B5EF4-FFF2-40B4-BE49-F238E27FC236}">
+                    <a16:creationId xmlns:a16="http://schemas.microsoft.com/office/drawing/2014/main" id="{725BF25A-B926-9D76-930D-135B89C6856E}"/>
+                  </a:ext>
+                </a:extLst>
+              </p:cNvPr>
+              <p:cNvPicPr/>
+              <p:nvPr/>
+            </p:nvPicPr>
+            <p:blipFill>
+              <a:blip r:embed="rId3"/>
+              <a:stretch>
+                <a:fillRect/>
+              </a:stretch>
+            </p:blipFill>
+            <p:spPr>
+              <a:xfrm>
+                <a:off x="4127565" y="3689565"/>
+                <a:ext cx="12600" cy="12600"/>
+              </a:xfrm>
+              <a:prstGeom prst="rect">
+                <a:avLst/>
+              </a:prstGeom>
+            </p:spPr>
+          </p:pic>
+        </mc:Fallback>
+      </mc:AlternateContent>
+    </p:spTree>
+    <p:extLst>
+      <p:ext uri="{BB962C8B-B14F-4D97-AF65-F5344CB8AC3E}">
+        <p14:creationId xmlns:p14="http://schemas.microsoft.com/office/powerpoint/2010/main" val="244929979"/>
+      </p:ext>
+    </p:extLst>
+  </p:cSld>
+  <p:clrMapOvr>
+    <a:masterClrMapping/>
+  </p:clrMapOvr>
+</p:sld>
+</file>
+
+<file path=ppt/slides/slide18.xml><?xml version="1.0" encoding="utf-8"?>
+<p:sld xmlns:a="http://schemas.openxmlformats.org/drawingml/2006/main" xmlns:r="http://schemas.openxmlformats.org/officeDocument/2006/relationships" xmlns:p="http://schemas.openxmlformats.org/presentationml/2006/main">
+  <p:cSld>
+    <p:spTree>
+      <p:nvGrpSpPr>
+        <p:cNvPr id="1" name=""/>
+        <p:cNvGrpSpPr/>
+        <p:nvPr/>
+      </p:nvGrpSpPr>
+      <p:grpSpPr>
+        <a:xfrm>
+          <a:off x="0" y="0"/>
+          <a:ext cx="0" cy="0"/>
+          <a:chOff x="0" y="0"/>
+          <a:chExt cx="0" cy="0"/>
+        </a:xfrm>
+      </p:grpSpPr>
+      <mc:AlternateContent xmlns:mc="http://schemas.openxmlformats.org/markup-compatibility/2006" xmlns:p14="http://schemas.microsoft.com/office/powerpoint/2010/main">
+        <mc:Choice Requires="p14">
+          <p:contentPart p14:bwMode="auto" r:id="rId2">
+            <p14:nvContentPartPr>
+              <p14:cNvPr id="2" name="잉크 1">
+                <a:extLst>
+                  <a:ext uri="{FF2B5EF4-FFF2-40B4-BE49-F238E27FC236}">
+                    <a16:creationId xmlns:a16="http://schemas.microsoft.com/office/drawing/2014/main" id="{725BF25A-B926-9D76-930D-135B89C6856E}"/>
+                  </a:ext>
+                </a:extLst>
+              </p14:cNvPr>
+              <p14:cNvContentPartPr/>
+              <p14:nvPr/>
+            </p14:nvContentPartPr>
+            <p14:xfrm>
+              <a:off x="4133685" y="3695685"/>
+              <a:ext cx="360" cy="360"/>
+            </p14:xfrm>
+          </p:contentPart>
+        </mc:Choice>
+        <mc:Fallback xmlns="">
+          <p:pic>
+            <p:nvPicPr>
+              <p:cNvPr id="2" name="잉크 1">
+                <a:extLst>
+                  <a:ext uri="{FF2B5EF4-FFF2-40B4-BE49-F238E27FC236}">
+                    <a16:creationId xmlns:a16="http://schemas.microsoft.com/office/drawing/2014/main" id="{725BF25A-B926-9D76-930D-135B89C6856E}"/>
+                  </a:ext>
+                </a:extLst>
+              </p:cNvPr>
+              <p:cNvPicPr/>
+              <p:nvPr/>
+            </p:nvPicPr>
+            <p:blipFill>
+              <a:blip r:embed="rId3"/>
+              <a:stretch>
+                <a:fillRect/>
+              </a:stretch>
+            </p:blipFill>
+            <p:spPr>
+              <a:xfrm>
+                <a:off x="4127565" y="3689565"/>
+                <a:ext cx="12600" cy="12600"/>
+              </a:xfrm>
+              <a:prstGeom prst="rect">
+                <a:avLst/>
+              </a:prstGeom>
+            </p:spPr>
+          </p:pic>
+        </mc:Fallback>
+      </mc:AlternateContent>
+    </p:spTree>
+    <p:extLst>
+      <p:ext uri="{BB962C8B-B14F-4D97-AF65-F5344CB8AC3E}">
+        <p14:creationId xmlns:p14="http://schemas.microsoft.com/office/powerpoint/2010/main" val="286852308"/>
+      </p:ext>
+    </p:extLst>
+  </p:cSld>
+  <p:clrMapOvr>
+    <a:masterClrMapping/>
+  </p:clrMapOvr>
+</p:sld>
+</file>
+
 <file path=ppt/slides/slide2.xml><?xml version="1.0" encoding="utf-8"?>
 <p:sld xmlns:a="http://schemas.openxmlformats.org/drawingml/2006/main" xmlns:r="http://schemas.openxmlformats.org/officeDocument/2006/relationships" xmlns:p="http://schemas.openxmlformats.org/presentationml/2006/main">
   <p:cSld>
@@ -3780,7 +5442,7 @@
         </p:blipFill>
         <p:spPr>
           <a:xfrm>
-            <a:off x="694267" y="4742532"/>
+            <a:off x="400701" y="4863255"/>
             <a:ext cx="6601746" cy="2286319"/>
           </a:xfrm>
           <a:prstGeom prst="rect">
@@ -4041,12 +5703,8 @@
           </a:p>
           <a:p>
             <a:r>
-              <a:rPr lang="ko-KR" altLang="en-US"/>
-              <a:t>운영체제 </a:t>
-            </a:r>
-            <a:r>
               <a:rPr lang="ko-KR" altLang="en-US" dirty="0"/>
-              <a:t>수준에서 등록되어 보호된다</a:t>
+              <a:t>운영체제 수준에서 등록되어 보호된다</a:t>
             </a:r>
             <a:r>
               <a:rPr lang="en-US" altLang="ko-KR" dirty="0"/>
@@ -4128,6 +5786,448 @@
               <a:xfrm>
                 <a:off x="4127565" y="3689565"/>
                 <a:ext cx="12600" cy="12600"/>
+              </a:xfrm>
+              <a:prstGeom prst="rect">
+                <a:avLst/>
+              </a:prstGeom>
+            </p:spPr>
+          </p:pic>
+        </mc:Fallback>
+      </mc:AlternateContent>
+      <p:sp>
+        <p:nvSpPr>
+          <p:cNvPr id="5" name="직사각형 4">
+            <a:extLst>
+              <a:ext uri="{FF2B5EF4-FFF2-40B4-BE49-F238E27FC236}">
+                <a16:creationId xmlns:a16="http://schemas.microsoft.com/office/drawing/2014/main" id="{6A9E447A-5095-DCDA-A19E-ACD1DB403D71}"/>
+              </a:ext>
+            </a:extLst>
+          </p:cNvPr>
+          <p:cNvSpPr/>
+          <p:nvPr/>
+        </p:nvSpPr>
+        <p:spPr>
+          <a:xfrm>
+            <a:off x="332788" y="4286250"/>
+            <a:ext cx="11211512" cy="2133600"/>
+          </a:xfrm>
+          <a:prstGeom prst="rect">
+            <a:avLst/>
+          </a:prstGeom>
+        </p:spPr>
+        <p:style>
+          <a:lnRef idx="2">
+            <a:schemeClr val="accent1">
+              <a:shade val="15000"/>
+            </a:schemeClr>
+          </a:lnRef>
+          <a:fillRef idx="1">
+            <a:schemeClr val="accent1"/>
+          </a:fillRef>
+          <a:effectRef idx="0">
+            <a:schemeClr val="accent1"/>
+          </a:effectRef>
+          <a:fontRef idx="minor">
+            <a:schemeClr val="lt1"/>
+          </a:fontRef>
+        </p:style>
+        <p:txBody>
+          <a:bodyPr rtlCol="0" anchor="ctr"/>
+          <a:lstStyle/>
+          <a:p>
+            <a:pPr algn="ctr"/>
+            <a:r>
+              <a:rPr lang="ko-KR" altLang="en-US" dirty="0"/>
+              <a:t>함수 스택</a:t>
+            </a:r>
+          </a:p>
+        </p:txBody>
+      </p:sp>
+      <p:sp>
+        <p:nvSpPr>
+          <p:cNvPr id="6" name="직사각형 5">
+            <a:extLst>
+              <a:ext uri="{FF2B5EF4-FFF2-40B4-BE49-F238E27FC236}">
+                <a16:creationId xmlns:a16="http://schemas.microsoft.com/office/drawing/2014/main" id="{606B0970-027B-6549-28FC-0D0E870E1C9E}"/>
+              </a:ext>
+            </a:extLst>
+          </p:cNvPr>
+          <p:cNvSpPr/>
+          <p:nvPr/>
+        </p:nvSpPr>
+        <p:spPr>
+          <a:xfrm>
+            <a:off x="1085263" y="5076824"/>
+            <a:ext cx="2953337" cy="771525"/>
+          </a:xfrm>
+          <a:prstGeom prst="rect">
+            <a:avLst/>
+          </a:prstGeom>
+        </p:spPr>
+        <p:style>
+          <a:lnRef idx="2">
+            <a:schemeClr val="accent5">
+              <a:shade val="15000"/>
+            </a:schemeClr>
+          </a:lnRef>
+          <a:fillRef idx="1">
+            <a:schemeClr val="accent5"/>
+          </a:fillRef>
+          <a:effectRef idx="0">
+            <a:schemeClr val="accent5"/>
+          </a:effectRef>
+          <a:fontRef idx="minor">
+            <a:schemeClr val="lt1"/>
+          </a:fontRef>
+        </p:style>
+        <p:txBody>
+          <a:bodyPr rtlCol="0" anchor="ctr"/>
+          <a:lstStyle/>
+          <a:p>
+            <a:pPr algn="ctr"/>
+            <a:r>
+              <a:rPr lang="en-US" altLang="ko-KR" dirty="0"/>
+              <a:t>Value</a:t>
+            </a:r>
+          </a:p>
+          <a:p>
+            <a:pPr algn="ctr"/>
+            <a:r>
+              <a:rPr lang="ko-KR" altLang="en-US" dirty="0"/>
+              <a:t>주소 </a:t>
+            </a:r>
+            <a:r>
+              <a:rPr lang="en-US" altLang="ko-KR" dirty="0"/>
+              <a:t>100</a:t>
+            </a:r>
+            <a:r>
+              <a:rPr lang="ko-KR" altLang="en-US" dirty="0"/>
+              <a:t>번지</a:t>
+            </a:r>
+            <a:endParaRPr lang="en-US" altLang="ko-KR" dirty="0"/>
+          </a:p>
+          <a:p>
+            <a:pPr algn="ctr"/>
+            <a:r>
+              <a:rPr lang="ko-KR" altLang="en-US" dirty="0"/>
+              <a:t>값 </a:t>
+            </a:r>
+            <a:r>
+              <a:rPr lang="en-US" altLang="ko-KR" dirty="0"/>
+              <a:t>20</a:t>
+            </a:r>
+            <a:endParaRPr lang="ko-KR" altLang="en-US" dirty="0"/>
+          </a:p>
+        </p:txBody>
+      </p:sp>
+      <p:sp>
+        <p:nvSpPr>
+          <p:cNvPr id="7" name="직사각형 6">
+            <a:extLst>
+              <a:ext uri="{FF2B5EF4-FFF2-40B4-BE49-F238E27FC236}">
+                <a16:creationId xmlns:a16="http://schemas.microsoft.com/office/drawing/2014/main" id="{557098C9-CD5F-192B-7A5D-CE1BB9B6C104}"/>
+              </a:ext>
+            </a:extLst>
+          </p:cNvPr>
+          <p:cNvSpPr/>
+          <p:nvPr/>
+        </p:nvSpPr>
+        <p:spPr>
+          <a:xfrm>
+            <a:off x="5200065" y="5076824"/>
+            <a:ext cx="2953337" cy="771525"/>
+          </a:xfrm>
+          <a:prstGeom prst="rect">
+            <a:avLst/>
+          </a:prstGeom>
+        </p:spPr>
+        <p:style>
+          <a:lnRef idx="2">
+            <a:schemeClr val="accent5">
+              <a:shade val="15000"/>
+            </a:schemeClr>
+          </a:lnRef>
+          <a:fillRef idx="1">
+            <a:schemeClr val="accent5"/>
+          </a:fillRef>
+          <a:effectRef idx="0">
+            <a:schemeClr val="accent5"/>
+          </a:effectRef>
+          <a:fontRef idx="minor">
+            <a:schemeClr val="lt1"/>
+          </a:fontRef>
+        </p:style>
+        <p:txBody>
+          <a:bodyPr rtlCol="0" anchor="ctr"/>
+          <a:lstStyle/>
+          <a:p>
+            <a:pPr algn="ctr"/>
+            <a:r>
+              <a:rPr lang="en-US" altLang="ko-KR" dirty="0" err="1"/>
+              <a:t>ValuePtr</a:t>
+            </a:r>
+            <a:endParaRPr lang="en-US" altLang="ko-KR" dirty="0"/>
+          </a:p>
+          <a:p>
+            <a:pPr algn="ctr"/>
+            <a:r>
+              <a:rPr lang="ko-KR" altLang="en-US" dirty="0"/>
+              <a:t>주소 </a:t>
+            </a:r>
+            <a:r>
+              <a:rPr lang="en-US" altLang="ko-KR" dirty="0"/>
+              <a:t>120</a:t>
+            </a:r>
+            <a:r>
+              <a:rPr lang="ko-KR" altLang="en-US" dirty="0"/>
+              <a:t>번지</a:t>
+            </a:r>
+            <a:endParaRPr lang="en-US" altLang="ko-KR" dirty="0"/>
+          </a:p>
+          <a:p>
+            <a:pPr algn="ctr"/>
+            <a:r>
+              <a:rPr lang="ko-KR" altLang="en-US" dirty="0"/>
+              <a:t>값 </a:t>
+            </a:r>
+            <a:r>
+              <a:rPr lang="en-US" altLang="ko-KR" dirty="0"/>
+              <a:t>100</a:t>
+            </a:r>
+            <a:r>
+              <a:rPr lang="ko-KR" altLang="en-US" dirty="0"/>
+              <a:t>번지</a:t>
+            </a:r>
+          </a:p>
+        </p:txBody>
+      </p:sp>
+      <p:pic>
+        <p:nvPicPr>
+          <p:cNvPr id="9" name="그림 8">
+            <a:extLst>
+              <a:ext uri="{FF2B5EF4-FFF2-40B4-BE49-F238E27FC236}">
+                <a16:creationId xmlns:a16="http://schemas.microsoft.com/office/drawing/2014/main" id="{A2909FD3-4891-1F13-5926-90CAFBD13D7C}"/>
+              </a:ext>
+            </a:extLst>
+          </p:cNvPr>
+          <p:cNvPicPr>
+            <a:picLocks noChangeAspect="1"/>
+          </p:cNvPicPr>
+          <p:nvPr/>
+        </p:nvPicPr>
+        <p:blipFill>
+          <a:blip r:embed="rId4"/>
+          <a:stretch>
+            <a:fillRect/>
+          </a:stretch>
+        </p:blipFill>
+        <p:spPr>
+          <a:xfrm>
+            <a:off x="523279" y="704429"/>
+            <a:ext cx="8535591" cy="3010320"/>
+          </a:xfrm>
+          <a:prstGeom prst="rect">
+            <a:avLst/>
+          </a:prstGeom>
+        </p:spPr>
+      </p:pic>
+      <mc:AlternateContent xmlns:mc="http://schemas.openxmlformats.org/markup-compatibility/2006">
+        <mc:Choice xmlns:p14="http://schemas.microsoft.com/office/powerpoint/2010/main" Requires="p14">
+          <p:contentPart p14:bwMode="auto" r:id="rId5">
+            <p14:nvContentPartPr>
+              <p14:cNvPr id="11" name="잉크 10">
+                <a:extLst>
+                  <a:ext uri="{FF2B5EF4-FFF2-40B4-BE49-F238E27FC236}">
+                    <a16:creationId xmlns:a16="http://schemas.microsoft.com/office/drawing/2014/main" id="{F42EAD0C-8DE1-0726-6AF4-34EB197B45AE}"/>
+                  </a:ext>
+                </a:extLst>
+              </p14:cNvPr>
+              <p14:cNvContentPartPr/>
+              <p14:nvPr/>
+            </p14:nvContentPartPr>
+            <p14:xfrm>
+              <a:off x="1105005" y="5962605"/>
+              <a:ext cx="2510280" cy="324360"/>
+            </p14:xfrm>
+          </p:contentPart>
+        </mc:Choice>
+        <mc:Fallback>
+          <p:pic>
+            <p:nvPicPr>
+              <p:cNvPr id="11" name="잉크 10">
+                <a:extLst>
+                  <a:ext uri="{FF2B5EF4-FFF2-40B4-BE49-F238E27FC236}">
+                    <a16:creationId xmlns:a16="http://schemas.microsoft.com/office/drawing/2014/main" id="{F42EAD0C-8DE1-0726-6AF4-34EB197B45AE}"/>
+                  </a:ext>
+                </a:extLst>
+              </p:cNvPr>
+              <p:cNvPicPr/>
+              <p:nvPr/>
+            </p:nvPicPr>
+            <p:blipFill>
+              <a:blip r:embed="rId6"/>
+              <a:stretch>
+                <a:fillRect/>
+              </a:stretch>
+            </p:blipFill>
+            <p:spPr>
+              <a:xfrm>
+                <a:off x="1098885" y="5956485"/>
+                <a:ext cx="2522520" cy="336600"/>
+              </a:xfrm>
+              <a:prstGeom prst="rect">
+                <a:avLst/>
+              </a:prstGeom>
+            </p:spPr>
+          </p:pic>
+        </mc:Fallback>
+      </mc:AlternateContent>
+      <p:sp>
+        <p:nvSpPr>
+          <p:cNvPr id="12" name="TextBox 11">
+            <a:extLst>
+              <a:ext uri="{FF2B5EF4-FFF2-40B4-BE49-F238E27FC236}">
+                <a16:creationId xmlns:a16="http://schemas.microsoft.com/office/drawing/2014/main" id="{7E151713-84FD-F339-C2B8-A7C68B3EF8A5}"/>
+              </a:ext>
+            </a:extLst>
+          </p:cNvPr>
+          <p:cNvSpPr txBox="1"/>
+          <p:nvPr/>
+        </p:nvSpPr>
+        <p:spPr>
+          <a:xfrm>
+            <a:off x="1736224" y="6301627"/>
+            <a:ext cx="1651414" cy="369332"/>
+          </a:xfrm>
+          <a:prstGeom prst="rect">
+            <a:avLst/>
+          </a:prstGeom>
+        </p:spPr>
+        <p:style>
+          <a:lnRef idx="2">
+            <a:schemeClr val="accent3"/>
+          </a:lnRef>
+          <a:fillRef idx="1">
+            <a:schemeClr val="lt1"/>
+          </a:fillRef>
+          <a:effectRef idx="0">
+            <a:schemeClr val="accent3"/>
+          </a:effectRef>
+          <a:fontRef idx="minor">
+            <a:schemeClr val="dk1"/>
+          </a:fontRef>
+        </p:style>
+        <p:txBody>
+          <a:bodyPr wrap="none" rtlCol="0">
+            <a:spAutoFit/>
+          </a:bodyPr>
+          <a:lstStyle/>
+          <a:p>
+            <a:r>
+              <a:rPr lang="ko-KR" altLang="en-US" err="1"/>
+              <a:t>비트적</a:t>
+            </a:r>
+            <a:r>
+              <a:rPr lang="ko-KR" altLang="en-US" dirty="0"/>
+              <a:t> 상수화</a:t>
+            </a:r>
+          </a:p>
+        </p:txBody>
+      </p:sp>
+      <mc:AlternateContent xmlns:mc="http://schemas.openxmlformats.org/markup-compatibility/2006">
+        <mc:Choice xmlns:p14="http://schemas.microsoft.com/office/powerpoint/2010/main" Requires="p14">
+          <p:contentPart p14:bwMode="auto" r:id="rId7">
+            <p14:nvContentPartPr>
+              <p14:cNvPr id="14" name="잉크 13">
+                <a:extLst>
+                  <a:ext uri="{FF2B5EF4-FFF2-40B4-BE49-F238E27FC236}">
+                    <a16:creationId xmlns:a16="http://schemas.microsoft.com/office/drawing/2014/main" id="{BA6E74B0-798F-7F51-4E4F-C5B8963655CF}"/>
+                  </a:ext>
+                </a:extLst>
+              </p14:cNvPr>
+              <p14:cNvContentPartPr/>
+              <p14:nvPr/>
+            </p14:nvContentPartPr>
+            <p14:xfrm>
+              <a:off x="818805" y="2913405"/>
+              <a:ext cx="3210480" cy="450000"/>
+            </p14:xfrm>
+          </p:contentPart>
+        </mc:Choice>
+        <mc:Fallback>
+          <p:pic>
+            <p:nvPicPr>
+              <p:cNvPr id="14" name="잉크 13">
+                <a:extLst>
+                  <a:ext uri="{FF2B5EF4-FFF2-40B4-BE49-F238E27FC236}">
+                    <a16:creationId xmlns:a16="http://schemas.microsoft.com/office/drawing/2014/main" id="{BA6E74B0-798F-7F51-4E4F-C5B8963655CF}"/>
+                  </a:ext>
+                </a:extLst>
+              </p:cNvPr>
+              <p:cNvPicPr/>
+              <p:nvPr/>
+            </p:nvPicPr>
+            <p:blipFill>
+              <a:blip r:embed="rId8"/>
+              <a:stretch>
+                <a:fillRect/>
+              </a:stretch>
+            </p:blipFill>
+            <p:spPr>
+              <a:xfrm>
+                <a:off x="812685" y="2907285"/>
+                <a:ext cx="3222720" cy="462240"/>
+              </a:xfrm>
+              <a:prstGeom prst="rect">
+                <a:avLst/>
+              </a:prstGeom>
+            </p:spPr>
+          </p:pic>
+        </mc:Fallback>
+      </mc:AlternateContent>
+      <mc:AlternateContent xmlns:mc="http://schemas.openxmlformats.org/markup-compatibility/2006">
+        <mc:Choice xmlns:p14="http://schemas.microsoft.com/office/powerpoint/2010/main" Requires="p14">
+          <p:contentPart p14:bwMode="auto" r:id="rId9">
+            <p14:nvContentPartPr>
+              <p14:cNvPr id="16" name="잉크 15">
+                <a:extLst>
+                  <a:ext uri="{FF2B5EF4-FFF2-40B4-BE49-F238E27FC236}">
+                    <a16:creationId xmlns:a16="http://schemas.microsoft.com/office/drawing/2014/main" id="{C1D9452A-CD48-C419-5D06-CB595D6E0907}"/>
+                  </a:ext>
+                </a:extLst>
+              </p14:cNvPr>
+              <p14:cNvContentPartPr/>
+              <p14:nvPr/>
+            </p14:nvContentPartPr>
+            <p14:xfrm>
+              <a:off x="5219805" y="5933805"/>
+              <a:ext cx="2676240" cy="315000"/>
+            </p14:xfrm>
+          </p:contentPart>
+        </mc:Choice>
+        <mc:Fallback>
+          <p:pic>
+            <p:nvPicPr>
+              <p:cNvPr id="16" name="잉크 15">
+                <a:extLst>
+                  <a:ext uri="{FF2B5EF4-FFF2-40B4-BE49-F238E27FC236}">
+                    <a16:creationId xmlns:a16="http://schemas.microsoft.com/office/drawing/2014/main" id="{C1D9452A-CD48-C419-5D06-CB595D6E0907}"/>
+                  </a:ext>
+                </a:extLst>
+              </p:cNvPr>
+              <p:cNvPicPr/>
+              <p:nvPr/>
+            </p:nvPicPr>
+            <p:blipFill>
+              <a:blip r:embed="rId10"/>
+              <a:stretch>
+                <a:fillRect/>
+              </a:stretch>
+            </p:blipFill>
+            <p:spPr>
+              <a:xfrm>
+                <a:off x="5213685" y="5927685"/>
+                <a:ext cx="2688480" cy="327240"/>
               </a:xfrm>
               <a:prstGeom prst="rect">
                 <a:avLst/>
@@ -4217,6 +6317,838 @@
           </p:pic>
         </mc:Fallback>
       </mc:AlternateContent>
+      <p:sp>
+        <p:nvSpPr>
+          <p:cNvPr id="3" name="직사각형 2">
+            <a:extLst>
+              <a:ext uri="{FF2B5EF4-FFF2-40B4-BE49-F238E27FC236}">
+                <a16:creationId xmlns:a16="http://schemas.microsoft.com/office/drawing/2014/main" id="{D36B0320-43C7-0406-21AB-6E22431E0E6C}"/>
+              </a:ext>
+            </a:extLst>
+          </p:cNvPr>
+          <p:cNvSpPr/>
+          <p:nvPr/>
+        </p:nvSpPr>
+        <p:spPr>
+          <a:xfrm>
+            <a:off x="694738" y="2800350"/>
+            <a:ext cx="11211512" cy="2133600"/>
+          </a:xfrm>
+          <a:prstGeom prst="rect">
+            <a:avLst/>
+          </a:prstGeom>
+        </p:spPr>
+        <p:style>
+          <a:lnRef idx="2">
+            <a:schemeClr val="accent1">
+              <a:shade val="15000"/>
+            </a:schemeClr>
+          </a:lnRef>
+          <a:fillRef idx="1">
+            <a:schemeClr val="accent1"/>
+          </a:fillRef>
+          <a:effectRef idx="0">
+            <a:schemeClr val="accent1"/>
+          </a:effectRef>
+          <a:fontRef idx="minor">
+            <a:schemeClr val="lt1"/>
+          </a:fontRef>
+        </p:style>
+        <p:txBody>
+          <a:bodyPr rtlCol="0" anchor="ctr"/>
+          <a:lstStyle/>
+          <a:p>
+            <a:pPr algn="ctr"/>
+            <a:r>
+              <a:rPr lang="ko-KR" altLang="en-US" dirty="0"/>
+              <a:t>함수 스택</a:t>
+            </a:r>
+          </a:p>
+        </p:txBody>
+      </p:sp>
+      <p:sp>
+        <p:nvSpPr>
+          <p:cNvPr id="4" name="직사각형 3">
+            <a:extLst>
+              <a:ext uri="{FF2B5EF4-FFF2-40B4-BE49-F238E27FC236}">
+                <a16:creationId xmlns:a16="http://schemas.microsoft.com/office/drawing/2014/main" id="{08A682B6-AADD-13F4-BF6D-AB111B18C8A5}"/>
+              </a:ext>
+            </a:extLst>
+          </p:cNvPr>
+          <p:cNvSpPr/>
+          <p:nvPr/>
+        </p:nvSpPr>
+        <p:spPr>
+          <a:xfrm>
+            <a:off x="1447213" y="3590924"/>
+            <a:ext cx="2953337" cy="771525"/>
+          </a:xfrm>
+          <a:prstGeom prst="rect">
+            <a:avLst/>
+          </a:prstGeom>
+        </p:spPr>
+        <p:style>
+          <a:lnRef idx="2">
+            <a:schemeClr val="accent5">
+              <a:shade val="15000"/>
+            </a:schemeClr>
+          </a:lnRef>
+          <a:fillRef idx="1">
+            <a:schemeClr val="accent5"/>
+          </a:fillRef>
+          <a:effectRef idx="0">
+            <a:schemeClr val="accent5"/>
+          </a:effectRef>
+          <a:fontRef idx="minor">
+            <a:schemeClr val="lt1"/>
+          </a:fontRef>
+        </p:style>
+        <p:txBody>
+          <a:bodyPr rtlCol="0" anchor="ctr"/>
+          <a:lstStyle/>
+          <a:p>
+            <a:pPr algn="ctr"/>
+            <a:r>
+              <a:rPr lang="en-US" altLang="ko-KR" dirty="0"/>
+              <a:t>Value</a:t>
+            </a:r>
+          </a:p>
+          <a:p>
+            <a:pPr algn="ctr"/>
+            <a:r>
+              <a:rPr lang="ko-KR" altLang="en-US" dirty="0"/>
+              <a:t>주소 </a:t>
+            </a:r>
+            <a:r>
+              <a:rPr lang="en-US" altLang="ko-KR" dirty="0"/>
+              <a:t>100</a:t>
+            </a:r>
+            <a:r>
+              <a:rPr lang="ko-KR" altLang="en-US" dirty="0"/>
+              <a:t>번지</a:t>
+            </a:r>
+            <a:endParaRPr lang="en-US" altLang="ko-KR" dirty="0"/>
+          </a:p>
+          <a:p>
+            <a:pPr algn="ctr"/>
+            <a:r>
+              <a:rPr lang="ko-KR" altLang="en-US" dirty="0"/>
+              <a:t>값 </a:t>
+            </a:r>
+            <a:r>
+              <a:rPr lang="en-US" altLang="ko-KR" dirty="0"/>
+              <a:t>20</a:t>
+            </a:r>
+            <a:endParaRPr lang="ko-KR" altLang="en-US" dirty="0"/>
+          </a:p>
+        </p:txBody>
+      </p:sp>
+      <p:sp>
+        <p:nvSpPr>
+          <p:cNvPr id="5" name="직사각형 4">
+            <a:extLst>
+              <a:ext uri="{FF2B5EF4-FFF2-40B4-BE49-F238E27FC236}">
+                <a16:creationId xmlns:a16="http://schemas.microsoft.com/office/drawing/2014/main" id="{BFC0FC6E-B28C-593A-1905-4D693CD04D91}"/>
+              </a:ext>
+            </a:extLst>
+          </p:cNvPr>
+          <p:cNvSpPr/>
+          <p:nvPr/>
+        </p:nvSpPr>
+        <p:spPr>
+          <a:xfrm>
+            <a:off x="5562015" y="3590924"/>
+            <a:ext cx="2953337" cy="771525"/>
+          </a:xfrm>
+          <a:prstGeom prst="rect">
+            <a:avLst/>
+          </a:prstGeom>
+        </p:spPr>
+        <p:style>
+          <a:lnRef idx="2">
+            <a:schemeClr val="accent5">
+              <a:shade val="15000"/>
+            </a:schemeClr>
+          </a:lnRef>
+          <a:fillRef idx="1">
+            <a:schemeClr val="accent5"/>
+          </a:fillRef>
+          <a:effectRef idx="0">
+            <a:schemeClr val="accent5"/>
+          </a:effectRef>
+          <a:fontRef idx="minor">
+            <a:schemeClr val="lt1"/>
+          </a:fontRef>
+        </p:style>
+        <p:txBody>
+          <a:bodyPr rtlCol="0" anchor="ctr"/>
+          <a:lstStyle/>
+          <a:p>
+            <a:pPr algn="ctr"/>
+            <a:r>
+              <a:rPr lang="en-US" altLang="ko-KR" dirty="0" err="1"/>
+              <a:t>ValuePtr</a:t>
+            </a:r>
+            <a:endParaRPr lang="en-US" altLang="ko-KR" dirty="0"/>
+          </a:p>
+          <a:p>
+            <a:pPr algn="ctr"/>
+            <a:r>
+              <a:rPr lang="ko-KR" altLang="en-US" dirty="0"/>
+              <a:t>주소 </a:t>
+            </a:r>
+            <a:r>
+              <a:rPr lang="en-US" altLang="ko-KR" dirty="0"/>
+              <a:t>120</a:t>
+            </a:r>
+            <a:r>
+              <a:rPr lang="ko-KR" altLang="en-US" dirty="0"/>
+              <a:t>번지</a:t>
+            </a:r>
+            <a:endParaRPr lang="en-US" altLang="ko-KR" dirty="0"/>
+          </a:p>
+          <a:p>
+            <a:pPr algn="ctr"/>
+            <a:r>
+              <a:rPr lang="ko-KR" altLang="en-US" dirty="0"/>
+              <a:t>값 </a:t>
+            </a:r>
+            <a:r>
+              <a:rPr lang="en-US" altLang="ko-KR" dirty="0"/>
+              <a:t>100</a:t>
+            </a:r>
+            <a:r>
+              <a:rPr lang="ko-KR" altLang="en-US" dirty="0"/>
+              <a:t>번지</a:t>
+            </a:r>
+          </a:p>
+        </p:txBody>
+      </p:sp>
+      <mc:AlternateContent xmlns:mc="http://schemas.openxmlformats.org/markup-compatibility/2006">
+        <mc:Choice xmlns:p14="http://schemas.microsoft.com/office/powerpoint/2010/main" Requires="p14">
+          <p:contentPart p14:bwMode="auto" r:id="rId4">
+            <p14:nvContentPartPr>
+              <p14:cNvPr id="6" name="잉크 5">
+                <a:extLst>
+                  <a:ext uri="{FF2B5EF4-FFF2-40B4-BE49-F238E27FC236}">
+                    <a16:creationId xmlns:a16="http://schemas.microsoft.com/office/drawing/2014/main" id="{8436C8AF-A675-B7CB-EE9B-6CE1EFF6272C}"/>
+                  </a:ext>
+                </a:extLst>
+              </p14:cNvPr>
+              <p14:cNvContentPartPr/>
+              <p14:nvPr/>
+            </p14:nvContentPartPr>
+            <p14:xfrm>
+              <a:off x="1466955" y="4476705"/>
+              <a:ext cx="2510280" cy="324360"/>
+            </p14:xfrm>
+          </p:contentPart>
+        </mc:Choice>
+        <mc:Fallback>
+          <p:pic>
+            <p:nvPicPr>
+              <p:cNvPr id="6" name="잉크 5">
+                <a:extLst>
+                  <a:ext uri="{FF2B5EF4-FFF2-40B4-BE49-F238E27FC236}">
+                    <a16:creationId xmlns:a16="http://schemas.microsoft.com/office/drawing/2014/main" id="{8436C8AF-A675-B7CB-EE9B-6CE1EFF6272C}"/>
+                  </a:ext>
+                </a:extLst>
+              </p:cNvPr>
+              <p:cNvPicPr/>
+              <p:nvPr/>
+            </p:nvPicPr>
+            <p:blipFill>
+              <a:blip r:embed="rId5"/>
+              <a:stretch>
+                <a:fillRect/>
+              </a:stretch>
+            </p:blipFill>
+            <p:spPr>
+              <a:xfrm>
+                <a:off x="1460835" y="4470585"/>
+                <a:ext cx="2522520" cy="336600"/>
+              </a:xfrm>
+              <a:prstGeom prst="rect">
+                <a:avLst/>
+              </a:prstGeom>
+            </p:spPr>
+          </p:pic>
+        </mc:Fallback>
+      </mc:AlternateContent>
+      <p:sp>
+        <p:nvSpPr>
+          <p:cNvPr id="7" name="TextBox 6">
+            <a:extLst>
+              <a:ext uri="{FF2B5EF4-FFF2-40B4-BE49-F238E27FC236}">
+                <a16:creationId xmlns:a16="http://schemas.microsoft.com/office/drawing/2014/main" id="{732AB210-ED13-A500-EA28-522568A1F2E0}"/>
+              </a:ext>
+            </a:extLst>
+          </p:cNvPr>
+          <p:cNvSpPr txBox="1"/>
+          <p:nvPr/>
+        </p:nvSpPr>
+        <p:spPr>
+          <a:xfrm>
+            <a:off x="2098174" y="4815727"/>
+            <a:ext cx="1651414" cy="369332"/>
+          </a:xfrm>
+          <a:prstGeom prst="rect">
+            <a:avLst/>
+          </a:prstGeom>
+        </p:spPr>
+        <p:style>
+          <a:lnRef idx="2">
+            <a:schemeClr val="accent3"/>
+          </a:lnRef>
+          <a:fillRef idx="1">
+            <a:schemeClr val="lt1"/>
+          </a:fillRef>
+          <a:effectRef idx="0">
+            <a:schemeClr val="accent3"/>
+          </a:effectRef>
+          <a:fontRef idx="minor">
+            <a:schemeClr val="dk1"/>
+          </a:fontRef>
+        </p:style>
+        <p:txBody>
+          <a:bodyPr wrap="none" rtlCol="0">
+            <a:spAutoFit/>
+          </a:bodyPr>
+          <a:lstStyle/>
+          <a:p>
+            <a:r>
+              <a:rPr lang="ko-KR" altLang="en-US" err="1"/>
+              <a:t>비트적</a:t>
+            </a:r>
+            <a:r>
+              <a:rPr lang="ko-KR" altLang="en-US" dirty="0"/>
+              <a:t> 상수화</a:t>
+            </a:r>
+          </a:p>
+        </p:txBody>
+      </p:sp>
+      <p:pic>
+        <p:nvPicPr>
+          <p:cNvPr id="17" name="그림 16">
+            <a:extLst>
+              <a:ext uri="{FF2B5EF4-FFF2-40B4-BE49-F238E27FC236}">
+                <a16:creationId xmlns:a16="http://schemas.microsoft.com/office/drawing/2014/main" id="{C7DDE8FA-4997-E160-C211-66BC90E453C5}"/>
+              </a:ext>
+            </a:extLst>
+          </p:cNvPr>
+          <p:cNvPicPr>
+            <a:picLocks noChangeAspect="1"/>
+          </p:cNvPicPr>
+          <p:nvPr/>
+        </p:nvPicPr>
+        <p:blipFill>
+          <a:blip r:embed="rId6"/>
+          <a:stretch>
+            <a:fillRect/>
+          </a:stretch>
+        </p:blipFill>
+        <p:spPr>
+          <a:xfrm>
+            <a:off x="2923881" y="1242851"/>
+            <a:ext cx="7030431" cy="1162212"/>
+          </a:xfrm>
+          <a:prstGeom prst="rect">
+            <a:avLst/>
+          </a:prstGeom>
+        </p:spPr>
+      </p:pic>
+      <p:cxnSp>
+        <p:nvCxnSpPr>
+          <p:cNvPr id="19" name="직선 연결선 18">
+            <a:extLst>
+              <a:ext uri="{FF2B5EF4-FFF2-40B4-BE49-F238E27FC236}">
+                <a16:creationId xmlns:a16="http://schemas.microsoft.com/office/drawing/2014/main" id="{3EAD9874-F8E7-4026-ADC6-DC5EA25DDF4D}"/>
+              </a:ext>
+            </a:extLst>
+          </p:cNvPr>
+          <p:cNvCxnSpPr/>
+          <p:nvPr/>
+        </p:nvCxnSpPr>
+        <p:spPr>
+          <a:xfrm>
+            <a:off x="4914900" y="304800"/>
+            <a:ext cx="0" cy="5743575"/>
+          </a:xfrm>
+          <a:prstGeom prst="line">
+            <a:avLst/>
+          </a:prstGeom>
+          <a:ln>
+            <a:solidFill>
+              <a:srgbClr val="FF0000"/>
+            </a:solidFill>
+          </a:ln>
+        </p:spPr>
+        <p:style>
+          <a:lnRef idx="2">
+            <a:schemeClr val="accent1"/>
+          </a:lnRef>
+          <a:fillRef idx="0">
+            <a:schemeClr val="accent1"/>
+          </a:fillRef>
+          <a:effectRef idx="1">
+            <a:schemeClr val="accent1"/>
+          </a:effectRef>
+          <a:fontRef idx="minor">
+            <a:schemeClr val="tx1"/>
+          </a:fontRef>
+        </p:style>
+      </p:cxnSp>
+      <p:grpSp>
+        <p:nvGrpSpPr>
+          <p:cNvPr id="23" name="그룹 22">
+            <a:extLst>
+              <a:ext uri="{FF2B5EF4-FFF2-40B4-BE49-F238E27FC236}">
+                <a16:creationId xmlns:a16="http://schemas.microsoft.com/office/drawing/2014/main" id="{9A2504DE-30C7-635F-0DB9-F9E56652E70C}"/>
+              </a:ext>
+            </a:extLst>
+          </p:cNvPr>
+          <p:cNvGrpSpPr/>
+          <p:nvPr/>
+        </p:nvGrpSpPr>
+        <p:grpSpPr>
+          <a:xfrm>
+            <a:off x="2685765" y="1513365"/>
+            <a:ext cx="1555560" cy="2143440"/>
+            <a:chOff x="2685765" y="1513365"/>
+            <a:chExt cx="1555560" cy="2143440"/>
+          </a:xfrm>
+        </p:grpSpPr>
+        <mc:AlternateContent xmlns:mc="http://schemas.openxmlformats.org/markup-compatibility/2006">
+          <mc:Choice xmlns:p14="http://schemas.microsoft.com/office/powerpoint/2010/main" Requires="p14">
+            <p:contentPart p14:bwMode="auto" r:id="rId7">
+              <p14:nvContentPartPr>
+                <p14:cNvPr id="20" name="잉크 19">
+                  <a:extLst>
+                    <a:ext uri="{FF2B5EF4-FFF2-40B4-BE49-F238E27FC236}">
+                      <a16:creationId xmlns:a16="http://schemas.microsoft.com/office/drawing/2014/main" id="{7B0A53EC-5CE2-0717-CF72-005DC90D166E}"/>
+                    </a:ext>
+                  </a:extLst>
+                </p14:cNvPr>
+                <p14:cNvContentPartPr/>
+                <p14:nvPr/>
+              </p14:nvContentPartPr>
+              <p14:xfrm>
+                <a:off x="3350685" y="1513365"/>
+                <a:ext cx="890640" cy="555840"/>
+              </p14:xfrm>
+            </p:contentPart>
+          </mc:Choice>
+          <mc:Fallback>
+            <p:pic>
+              <p:nvPicPr>
+                <p:cNvPr id="20" name="잉크 19">
+                  <a:extLst>
+                    <a:ext uri="{FF2B5EF4-FFF2-40B4-BE49-F238E27FC236}">
+                      <a16:creationId xmlns:a16="http://schemas.microsoft.com/office/drawing/2014/main" id="{7B0A53EC-5CE2-0717-CF72-005DC90D166E}"/>
+                    </a:ext>
+                  </a:extLst>
+                </p:cNvPr>
+                <p:cNvPicPr/>
+                <p:nvPr/>
+              </p:nvPicPr>
+              <p:blipFill>
+                <a:blip r:embed="rId8"/>
+                <a:stretch>
+                  <a:fillRect/>
+                </a:stretch>
+              </p:blipFill>
+              <p:spPr>
+                <a:xfrm>
+                  <a:off x="3344565" y="1507245"/>
+                  <a:ext cx="902880" cy="568080"/>
+                </a:xfrm>
+                <a:prstGeom prst="rect">
+                  <a:avLst/>
+                </a:prstGeom>
+              </p:spPr>
+            </p:pic>
+          </mc:Fallback>
+        </mc:AlternateContent>
+        <mc:AlternateContent xmlns:mc="http://schemas.openxmlformats.org/markup-compatibility/2006">
+          <mc:Choice xmlns:p14="http://schemas.microsoft.com/office/powerpoint/2010/main" Requires="p14">
+            <p:contentPart p14:bwMode="auto" r:id="rId9">
+              <p14:nvContentPartPr>
+                <p14:cNvPr id="21" name="잉크 20">
+                  <a:extLst>
+                    <a:ext uri="{FF2B5EF4-FFF2-40B4-BE49-F238E27FC236}">
+                      <a16:creationId xmlns:a16="http://schemas.microsoft.com/office/drawing/2014/main" id="{DA9EB064-4F92-4B53-D226-6CB4AB8CD6E7}"/>
+                    </a:ext>
+                  </a:extLst>
+                </p14:cNvPr>
+                <p14:cNvContentPartPr/>
+                <p14:nvPr/>
+              </p14:nvContentPartPr>
+              <p14:xfrm>
+                <a:off x="2914365" y="1981005"/>
+                <a:ext cx="781560" cy="1610280"/>
+              </p14:xfrm>
+            </p:contentPart>
+          </mc:Choice>
+          <mc:Fallback>
+            <p:pic>
+              <p:nvPicPr>
+                <p:cNvPr id="21" name="잉크 20">
+                  <a:extLst>
+                    <a:ext uri="{FF2B5EF4-FFF2-40B4-BE49-F238E27FC236}">
+                      <a16:creationId xmlns:a16="http://schemas.microsoft.com/office/drawing/2014/main" id="{DA9EB064-4F92-4B53-D226-6CB4AB8CD6E7}"/>
+                    </a:ext>
+                  </a:extLst>
+                </p:cNvPr>
+                <p:cNvPicPr/>
+                <p:nvPr/>
+              </p:nvPicPr>
+              <p:blipFill>
+                <a:blip r:embed="rId10"/>
+                <a:stretch>
+                  <a:fillRect/>
+                </a:stretch>
+              </p:blipFill>
+              <p:spPr>
+                <a:xfrm>
+                  <a:off x="2908245" y="1974885"/>
+                  <a:ext cx="793800" cy="1622520"/>
+                </a:xfrm>
+                <a:prstGeom prst="rect">
+                  <a:avLst/>
+                </a:prstGeom>
+              </p:spPr>
+            </p:pic>
+          </mc:Fallback>
+        </mc:AlternateContent>
+        <mc:AlternateContent xmlns:mc="http://schemas.openxmlformats.org/markup-compatibility/2006">
+          <mc:Choice xmlns:p14="http://schemas.microsoft.com/office/powerpoint/2010/main" Requires="p14">
+            <p:contentPart p14:bwMode="auto" r:id="rId11">
+              <p14:nvContentPartPr>
+                <p14:cNvPr id="22" name="잉크 21">
+                  <a:extLst>
+                    <a:ext uri="{FF2B5EF4-FFF2-40B4-BE49-F238E27FC236}">
+                      <a16:creationId xmlns:a16="http://schemas.microsoft.com/office/drawing/2014/main" id="{54A64580-B8FB-04E1-DF8B-9021D20B0F13}"/>
+                    </a:ext>
+                  </a:extLst>
+                </p14:cNvPr>
+                <p14:cNvContentPartPr/>
+                <p14:nvPr/>
+              </p14:nvContentPartPr>
+              <p14:xfrm>
+                <a:off x="2685765" y="3104925"/>
+                <a:ext cx="914040" cy="551880"/>
+              </p14:xfrm>
+            </p:contentPart>
+          </mc:Choice>
+          <mc:Fallback>
+            <p:pic>
+              <p:nvPicPr>
+                <p:cNvPr id="22" name="잉크 21">
+                  <a:extLst>
+                    <a:ext uri="{FF2B5EF4-FFF2-40B4-BE49-F238E27FC236}">
+                      <a16:creationId xmlns:a16="http://schemas.microsoft.com/office/drawing/2014/main" id="{54A64580-B8FB-04E1-DF8B-9021D20B0F13}"/>
+                    </a:ext>
+                  </a:extLst>
+                </p:cNvPr>
+                <p:cNvPicPr/>
+                <p:nvPr/>
+              </p:nvPicPr>
+              <p:blipFill>
+                <a:blip r:embed="rId12"/>
+                <a:stretch>
+                  <a:fillRect/>
+                </a:stretch>
+              </p:blipFill>
+              <p:spPr>
+                <a:xfrm>
+                  <a:off x="2679645" y="3098805"/>
+                  <a:ext cx="926280" cy="564120"/>
+                </a:xfrm>
+                <a:prstGeom prst="rect">
+                  <a:avLst/>
+                </a:prstGeom>
+              </p:spPr>
+            </p:pic>
+          </mc:Fallback>
+        </mc:AlternateContent>
+      </p:grpSp>
+      <p:grpSp>
+        <p:nvGrpSpPr>
+          <p:cNvPr id="29" name="그룹 28">
+            <a:extLst>
+              <a:ext uri="{FF2B5EF4-FFF2-40B4-BE49-F238E27FC236}">
+                <a16:creationId xmlns:a16="http://schemas.microsoft.com/office/drawing/2014/main" id="{B4FB5DEF-AC48-5B89-A182-299AA29E210E}"/>
+              </a:ext>
+            </a:extLst>
+          </p:cNvPr>
+          <p:cNvGrpSpPr/>
+          <p:nvPr/>
+        </p:nvGrpSpPr>
+        <p:grpSpPr>
+          <a:xfrm>
+            <a:off x="5180925" y="1390605"/>
+            <a:ext cx="2161440" cy="2244960"/>
+            <a:chOff x="5180925" y="1390605"/>
+            <a:chExt cx="2161440" cy="2244960"/>
+          </a:xfrm>
+        </p:grpSpPr>
+        <mc:AlternateContent xmlns:mc="http://schemas.openxmlformats.org/markup-compatibility/2006">
+          <mc:Choice xmlns:p14="http://schemas.microsoft.com/office/powerpoint/2010/main" Requires="p14">
+            <p:contentPart p14:bwMode="auto" r:id="rId13">
+              <p14:nvContentPartPr>
+                <p14:cNvPr id="24" name="잉크 23">
+                  <a:extLst>
+                    <a:ext uri="{FF2B5EF4-FFF2-40B4-BE49-F238E27FC236}">
+                      <a16:creationId xmlns:a16="http://schemas.microsoft.com/office/drawing/2014/main" id="{26255878-6247-476B-5381-11858A8F7CA0}"/>
+                    </a:ext>
+                  </a:extLst>
+                </p14:cNvPr>
+                <p14:cNvContentPartPr/>
+                <p14:nvPr/>
+              </p14:nvContentPartPr>
+              <p14:xfrm>
+                <a:off x="5180925" y="1390605"/>
+                <a:ext cx="1220400" cy="983520"/>
+              </p14:xfrm>
+            </p:contentPart>
+          </mc:Choice>
+          <mc:Fallback>
+            <p:pic>
+              <p:nvPicPr>
+                <p:cNvPr id="24" name="잉크 23">
+                  <a:extLst>
+                    <a:ext uri="{FF2B5EF4-FFF2-40B4-BE49-F238E27FC236}">
+                      <a16:creationId xmlns:a16="http://schemas.microsoft.com/office/drawing/2014/main" id="{26255878-6247-476B-5381-11858A8F7CA0}"/>
+                    </a:ext>
+                  </a:extLst>
+                </p:cNvPr>
+                <p:cNvPicPr/>
+                <p:nvPr/>
+              </p:nvPicPr>
+              <p:blipFill>
+                <a:blip r:embed="rId14"/>
+                <a:stretch>
+                  <a:fillRect/>
+                </a:stretch>
+              </p:blipFill>
+              <p:spPr>
+                <a:xfrm>
+                  <a:off x="5174805" y="1384485"/>
+                  <a:ext cx="1232640" cy="995760"/>
+                </a:xfrm>
+                <a:prstGeom prst="rect">
+                  <a:avLst/>
+                </a:prstGeom>
+              </p:spPr>
+            </p:pic>
+          </mc:Fallback>
+        </mc:AlternateContent>
+        <mc:AlternateContent xmlns:mc="http://schemas.openxmlformats.org/markup-compatibility/2006">
+          <mc:Choice xmlns:p14="http://schemas.microsoft.com/office/powerpoint/2010/main" Requires="p14">
+            <p:contentPart p14:bwMode="auto" r:id="rId15">
+              <p14:nvContentPartPr>
+                <p14:cNvPr id="25" name="잉크 24">
+                  <a:extLst>
+                    <a:ext uri="{FF2B5EF4-FFF2-40B4-BE49-F238E27FC236}">
+                      <a16:creationId xmlns:a16="http://schemas.microsoft.com/office/drawing/2014/main" id="{FD977B1F-AB31-38B4-27D5-F961227E55D2}"/>
+                    </a:ext>
+                  </a:extLst>
+                </p14:cNvPr>
+                <p14:cNvContentPartPr/>
+                <p14:nvPr/>
+              </p14:nvContentPartPr>
+              <p14:xfrm>
+                <a:off x="6200805" y="2171805"/>
+                <a:ext cx="829440" cy="1376640"/>
+              </p14:xfrm>
+            </p:contentPart>
+          </mc:Choice>
+          <mc:Fallback>
+            <p:pic>
+              <p:nvPicPr>
+                <p:cNvPr id="25" name="잉크 24">
+                  <a:extLst>
+                    <a:ext uri="{FF2B5EF4-FFF2-40B4-BE49-F238E27FC236}">
+                      <a16:creationId xmlns:a16="http://schemas.microsoft.com/office/drawing/2014/main" id="{FD977B1F-AB31-38B4-27D5-F961227E55D2}"/>
+                    </a:ext>
+                  </a:extLst>
+                </p:cNvPr>
+                <p:cNvPicPr/>
+                <p:nvPr/>
+              </p:nvPicPr>
+              <p:blipFill>
+                <a:blip r:embed="rId16"/>
+                <a:stretch>
+                  <a:fillRect/>
+                </a:stretch>
+              </p:blipFill>
+              <p:spPr>
+                <a:xfrm>
+                  <a:off x="6194685" y="2165685"/>
+                  <a:ext cx="841680" cy="1388880"/>
+                </a:xfrm>
+                <a:prstGeom prst="rect">
+                  <a:avLst/>
+                </a:prstGeom>
+              </p:spPr>
+            </p:pic>
+          </mc:Fallback>
+        </mc:AlternateContent>
+        <mc:AlternateContent xmlns:mc="http://schemas.openxmlformats.org/markup-compatibility/2006">
+          <mc:Choice xmlns:p14="http://schemas.microsoft.com/office/powerpoint/2010/main" Requires="p14">
+            <p:contentPart p14:bwMode="auto" r:id="rId17">
+              <p14:nvContentPartPr>
+                <p14:cNvPr id="28" name="잉크 27">
+                  <a:extLst>
+                    <a:ext uri="{FF2B5EF4-FFF2-40B4-BE49-F238E27FC236}">
+                      <a16:creationId xmlns:a16="http://schemas.microsoft.com/office/drawing/2014/main" id="{62C4514A-97D5-A669-A390-F9C639276B10}"/>
+                    </a:ext>
+                  </a:extLst>
+                </p14:cNvPr>
+                <p14:cNvContentPartPr/>
+                <p14:nvPr/>
+              </p14:nvContentPartPr>
+              <p14:xfrm>
+                <a:off x="6429405" y="2961645"/>
+                <a:ext cx="912960" cy="673920"/>
+              </p14:xfrm>
+            </p:contentPart>
+          </mc:Choice>
+          <mc:Fallback>
+            <p:pic>
+              <p:nvPicPr>
+                <p:cNvPr id="28" name="잉크 27">
+                  <a:extLst>
+                    <a:ext uri="{FF2B5EF4-FFF2-40B4-BE49-F238E27FC236}">
+                      <a16:creationId xmlns:a16="http://schemas.microsoft.com/office/drawing/2014/main" id="{62C4514A-97D5-A669-A390-F9C639276B10}"/>
+                    </a:ext>
+                  </a:extLst>
+                </p:cNvPr>
+                <p:cNvPicPr/>
+                <p:nvPr/>
+              </p:nvPicPr>
+              <p:blipFill>
+                <a:blip r:embed="rId18"/>
+                <a:stretch>
+                  <a:fillRect/>
+                </a:stretch>
+              </p:blipFill>
+              <p:spPr>
+                <a:xfrm>
+                  <a:off x="6423285" y="2955525"/>
+                  <a:ext cx="925200" cy="686160"/>
+                </a:xfrm>
+                <a:prstGeom prst="rect">
+                  <a:avLst/>
+                </a:prstGeom>
+              </p:spPr>
+            </p:pic>
+          </mc:Fallback>
+        </mc:AlternateContent>
+      </p:grpSp>
+      <mc:AlternateContent xmlns:mc="http://schemas.openxmlformats.org/markup-compatibility/2006">
+        <mc:Choice xmlns:p14="http://schemas.microsoft.com/office/powerpoint/2010/main" Requires="p14">
+          <p:contentPart p14:bwMode="auto" r:id="rId19">
+            <p14:nvContentPartPr>
+              <p14:cNvPr id="33" name="잉크 32">
+                <a:extLst>
+                  <a:ext uri="{FF2B5EF4-FFF2-40B4-BE49-F238E27FC236}">
+                    <a16:creationId xmlns:a16="http://schemas.microsoft.com/office/drawing/2014/main" id="{488AADDB-8448-1DC5-18CF-2E11D9472765}"/>
+                  </a:ext>
+                </a:extLst>
+              </p14:cNvPr>
+              <p14:cNvContentPartPr/>
+              <p14:nvPr/>
+            </p14:nvContentPartPr>
+            <p14:xfrm>
+              <a:off x="5740607" y="4526502"/>
+              <a:ext cx="2510280" cy="324360"/>
+            </p14:xfrm>
+          </p:contentPart>
+        </mc:Choice>
+        <mc:Fallback>
+          <p:pic>
+            <p:nvPicPr>
+              <p:cNvPr id="33" name="잉크 32">
+                <a:extLst>
+                  <a:ext uri="{FF2B5EF4-FFF2-40B4-BE49-F238E27FC236}">
+                    <a16:creationId xmlns:a16="http://schemas.microsoft.com/office/drawing/2014/main" id="{488AADDB-8448-1DC5-18CF-2E11D9472765}"/>
+                  </a:ext>
+                </a:extLst>
+              </p:cNvPr>
+              <p:cNvPicPr/>
+              <p:nvPr/>
+            </p:nvPicPr>
+            <p:blipFill>
+              <a:blip r:embed="rId5"/>
+              <a:stretch>
+                <a:fillRect/>
+              </a:stretch>
+            </p:blipFill>
+            <p:spPr>
+              <a:xfrm>
+                <a:off x="5734487" y="4520382"/>
+                <a:ext cx="2522520" cy="336600"/>
+              </a:xfrm>
+              <a:prstGeom prst="rect">
+                <a:avLst/>
+              </a:prstGeom>
+            </p:spPr>
+          </p:pic>
+        </mc:Fallback>
+      </mc:AlternateContent>
+      <p:sp>
+        <p:nvSpPr>
+          <p:cNvPr id="34" name="TextBox 33">
+            <a:extLst>
+              <a:ext uri="{FF2B5EF4-FFF2-40B4-BE49-F238E27FC236}">
+                <a16:creationId xmlns:a16="http://schemas.microsoft.com/office/drawing/2014/main" id="{AE863C72-3C2D-C631-5247-B6C188D5C8B1}"/>
+              </a:ext>
+            </a:extLst>
+          </p:cNvPr>
+          <p:cNvSpPr txBox="1"/>
+          <p:nvPr/>
+        </p:nvSpPr>
+        <p:spPr>
+          <a:xfrm>
+            <a:off x="6371826" y="4865524"/>
+            <a:ext cx="1651414" cy="369332"/>
+          </a:xfrm>
+          <a:prstGeom prst="rect">
+            <a:avLst/>
+          </a:prstGeom>
+        </p:spPr>
+        <p:style>
+          <a:lnRef idx="2">
+            <a:schemeClr val="accent3"/>
+          </a:lnRef>
+          <a:fillRef idx="1">
+            <a:schemeClr val="lt1"/>
+          </a:fillRef>
+          <a:effectRef idx="0">
+            <a:schemeClr val="accent3"/>
+          </a:effectRef>
+          <a:fontRef idx="minor">
+            <a:schemeClr val="dk1"/>
+          </a:fontRef>
+        </p:style>
+        <p:txBody>
+          <a:bodyPr wrap="none" rtlCol="0">
+            <a:spAutoFit/>
+          </a:bodyPr>
+          <a:lstStyle/>
+          <a:p>
+            <a:r>
+              <a:rPr lang="ko-KR" altLang="en-US" err="1"/>
+              <a:t>비트적</a:t>
+            </a:r>
+            <a:r>
+              <a:rPr lang="ko-KR" altLang="en-US" dirty="0"/>
+              <a:t> 상수화</a:t>
+            </a:r>
+          </a:p>
+        </p:txBody>
+      </p:sp>
     </p:spTree>
     <p:extLst>
       <p:ext uri="{BB962C8B-B14F-4D97-AF65-F5344CB8AC3E}">
@@ -4247,8 +7179,8 @@
           <a:chExt cx="0" cy="0"/>
         </a:xfrm>
       </p:grpSpPr>
-      <mc:AlternateContent xmlns:mc="http://schemas.openxmlformats.org/markup-compatibility/2006" xmlns:p14="http://schemas.microsoft.com/office/powerpoint/2010/main">
-        <mc:Choice Requires="p14">
+      <mc:AlternateContent xmlns:mc="http://schemas.openxmlformats.org/markup-compatibility/2006">
+        <mc:Choice xmlns:p14="http://schemas.microsoft.com/office/powerpoint/2010/main" Requires="p14">
           <p:contentPart p14:bwMode="auto" r:id="rId2">
             <p14:nvContentPartPr>
               <p14:cNvPr id="2" name="잉크 1">
@@ -4262,12 +7194,12 @@
               <p14:nvPr/>
             </p14:nvContentPartPr>
             <p14:xfrm>
-              <a:off x="4133685" y="3695685"/>
+              <a:off x="3929191" y="2695560"/>
               <a:ext cx="360" cy="360"/>
             </p14:xfrm>
           </p:contentPart>
         </mc:Choice>
-        <mc:Fallback xmlns="">
+        <mc:Fallback>
           <p:pic>
             <p:nvPicPr>
               <p:cNvPr id="2" name="잉크 1">
@@ -4288,8 +7220,418 @@
             </p:blipFill>
             <p:spPr>
               <a:xfrm>
-                <a:off x="4127565" y="3689565"/>
+                <a:off x="3923071" y="2689440"/>
                 <a:ext cx="12600" cy="12600"/>
+              </a:xfrm>
+              <a:prstGeom prst="rect">
+                <a:avLst/>
+              </a:prstGeom>
+            </p:spPr>
+          </p:pic>
+        </mc:Fallback>
+      </mc:AlternateContent>
+      <p:sp>
+        <p:nvSpPr>
+          <p:cNvPr id="3" name="직사각형 2">
+            <a:extLst>
+              <a:ext uri="{FF2B5EF4-FFF2-40B4-BE49-F238E27FC236}">
+                <a16:creationId xmlns:a16="http://schemas.microsoft.com/office/drawing/2014/main" id="{FFFD3046-5593-967F-6EC9-1F0C70EA88BA}"/>
+              </a:ext>
+            </a:extLst>
+          </p:cNvPr>
+          <p:cNvSpPr/>
+          <p:nvPr/>
+        </p:nvSpPr>
+        <p:spPr>
+          <a:xfrm>
+            <a:off x="490244" y="1800224"/>
+            <a:ext cx="11211512" cy="3952875"/>
+          </a:xfrm>
+          <a:prstGeom prst="rect">
+            <a:avLst/>
+          </a:prstGeom>
+        </p:spPr>
+        <p:style>
+          <a:lnRef idx="2">
+            <a:schemeClr val="accent1">
+              <a:shade val="15000"/>
+            </a:schemeClr>
+          </a:lnRef>
+          <a:fillRef idx="1">
+            <a:schemeClr val="accent1"/>
+          </a:fillRef>
+          <a:effectRef idx="0">
+            <a:schemeClr val="accent1"/>
+          </a:effectRef>
+          <a:fontRef idx="minor">
+            <a:schemeClr val="lt1"/>
+          </a:fontRef>
+        </p:style>
+        <p:txBody>
+          <a:bodyPr rtlCol="0" anchor="ctr"/>
+          <a:lstStyle/>
+          <a:p>
+            <a:pPr algn="ctr"/>
+            <a:r>
+              <a:rPr lang="ko-KR" altLang="en-US" dirty="0"/>
+              <a:t>함수 스택</a:t>
+            </a:r>
+          </a:p>
+        </p:txBody>
+      </p:sp>
+      <p:sp>
+        <p:nvSpPr>
+          <p:cNvPr id="4" name="직사각형 3">
+            <a:extLst>
+              <a:ext uri="{FF2B5EF4-FFF2-40B4-BE49-F238E27FC236}">
+                <a16:creationId xmlns:a16="http://schemas.microsoft.com/office/drawing/2014/main" id="{9F885E14-2D04-314F-35BF-475FA5661616}"/>
+              </a:ext>
+            </a:extLst>
+          </p:cNvPr>
+          <p:cNvSpPr/>
+          <p:nvPr/>
+        </p:nvSpPr>
+        <p:spPr>
+          <a:xfrm>
+            <a:off x="490244" y="4514849"/>
+            <a:ext cx="11211512" cy="1238250"/>
+          </a:xfrm>
+          <a:prstGeom prst="rect">
+            <a:avLst/>
+          </a:prstGeom>
+        </p:spPr>
+        <p:style>
+          <a:lnRef idx="2">
+            <a:schemeClr val="accent5">
+              <a:shade val="15000"/>
+            </a:schemeClr>
+          </a:lnRef>
+          <a:fillRef idx="1">
+            <a:schemeClr val="accent5"/>
+          </a:fillRef>
+          <a:effectRef idx="0">
+            <a:schemeClr val="accent5"/>
+          </a:effectRef>
+          <a:fontRef idx="minor">
+            <a:schemeClr val="lt1"/>
+          </a:fontRef>
+        </p:style>
+        <p:txBody>
+          <a:bodyPr rtlCol="0" anchor="ctr"/>
+          <a:lstStyle/>
+          <a:p>
+            <a:pPr algn="ctr"/>
+            <a:r>
+              <a:rPr lang="en-US" altLang="ko-KR" dirty="0"/>
+              <a:t>Main</a:t>
+            </a:r>
+            <a:endParaRPr lang="ko-KR" altLang="en-US" dirty="0"/>
+          </a:p>
+        </p:txBody>
+      </p:sp>
+      <p:sp>
+        <p:nvSpPr>
+          <p:cNvPr id="5" name="직사각형 4">
+            <a:extLst>
+              <a:ext uri="{FF2B5EF4-FFF2-40B4-BE49-F238E27FC236}">
+                <a16:creationId xmlns:a16="http://schemas.microsoft.com/office/drawing/2014/main" id="{407EB397-5A08-0285-403D-35099C4DBB57}"/>
+              </a:ext>
+            </a:extLst>
+          </p:cNvPr>
+          <p:cNvSpPr/>
+          <p:nvPr/>
+        </p:nvSpPr>
+        <p:spPr>
+          <a:xfrm>
+            <a:off x="490244" y="3157536"/>
+            <a:ext cx="11211512" cy="1238250"/>
+          </a:xfrm>
+          <a:prstGeom prst="rect">
+            <a:avLst/>
+          </a:prstGeom>
+        </p:spPr>
+        <p:style>
+          <a:lnRef idx="2">
+            <a:schemeClr val="accent4">
+              <a:shade val="15000"/>
+            </a:schemeClr>
+          </a:lnRef>
+          <a:fillRef idx="1">
+            <a:schemeClr val="accent4"/>
+          </a:fillRef>
+          <a:effectRef idx="0">
+            <a:schemeClr val="accent4"/>
+          </a:effectRef>
+          <a:fontRef idx="minor">
+            <a:schemeClr val="lt1"/>
+          </a:fontRef>
+        </p:style>
+        <p:txBody>
+          <a:bodyPr rtlCol="0" anchor="ctr"/>
+          <a:lstStyle/>
+          <a:p>
+            <a:pPr algn="ctr"/>
+            <a:r>
+              <a:rPr lang="en-US" altLang="ko-KR" dirty="0" err="1"/>
+              <a:t>ReturnValue</a:t>
+            </a:r>
+            <a:endParaRPr lang="ko-KR" altLang="en-US" dirty="0"/>
+          </a:p>
+        </p:txBody>
+      </p:sp>
+      <p:sp>
+        <p:nvSpPr>
+          <p:cNvPr id="6" name="직사각형 5">
+            <a:extLst>
+              <a:ext uri="{FF2B5EF4-FFF2-40B4-BE49-F238E27FC236}">
+                <a16:creationId xmlns:a16="http://schemas.microsoft.com/office/drawing/2014/main" id="{4CB1A71D-D330-B018-1030-F62E318CA2C6}"/>
+              </a:ext>
+            </a:extLst>
+          </p:cNvPr>
+          <p:cNvSpPr/>
+          <p:nvPr/>
+        </p:nvSpPr>
+        <p:spPr>
+          <a:xfrm>
+            <a:off x="6605880" y="4857402"/>
+            <a:ext cx="4205581" cy="619124"/>
+          </a:xfrm>
+          <a:prstGeom prst="rect">
+            <a:avLst/>
+          </a:prstGeom>
+        </p:spPr>
+        <p:style>
+          <a:lnRef idx="2">
+            <a:schemeClr val="accent6">
+              <a:shade val="15000"/>
+            </a:schemeClr>
+          </a:lnRef>
+          <a:fillRef idx="1">
+            <a:schemeClr val="accent6"/>
+          </a:fillRef>
+          <a:effectRef idx="0">
+            <a:schemeClr val="accent6"/>
+          </a:effectRef>
+          <a:fontRef idx="minor">
+            <a:schemeClr val="lt1"/>
+          </a:fontRef>
+        </p:style>
+        <p:txBody>
+          <a:bodyPr rtlCol="0" anchor="ctr"/>
+          <a:lstStyle/>
+          <a:p>
+            <a:pPr algn="ctr"/>
+            <a:r>
+              <a:rPr lang="en-US" altLang="ko-KR" dirty="0"/>
+              <a:t>Const </a:t>
+            </a:r>
+            <a:r>
+              <a:rPr lang="en-US" altLang="ko-KR" dirty="0" err="1"/>
+              <a:t>ReturnValue</a:t>
+            </a:r>
+            <a:r>
+              <a:rPr lang="ko-KR" altLang="en-US" dirty="0"/>
+              <a:t>의 결과값</a:t>
+            </a:r>
+          </a:p>
+        </p:txBody>
+      </p:sp>
+      <p:sp>
+        <p:nvSpPr>
+          <p:cNvPr id="7" name="직사각형 6">
+            <a:extLst>
+              <a:ext uri="{FF2B5EF4-FFF2-40B4-BE49-F238E27FC236}">
+                <a16:creationId xmlns:a16="http://schemas.microsoft.com/office/drawing/2014/main" id="{8E0DA5C6-BED5-73D6-FB96-47B1BEB49895}"/>
+              </a:ext>
+            </a:extLst>
+          </p:cNvPr>
+          <p:cNvSpPr/>
+          <p:nvPr/>
+        </p:nvSpPr>
+        <p:spPr>
+          <a:xfrm>
+            <a:off x="1510004" y="4895501"/>
+            <a:ext cx="4205581" cy="619124"/>
+          </a:xfrm>
+          <a:prstGeom prst="rect">
+            <a:avLst/>
+          </a:prstGeom>
+        </p:spPr>
+        <p:style>
+          <a:lnRef idx="2">
+            <a:schemeClr val="accent6">
+              <a:shade val="15000"/>
+            </a:schemeClr>
+          </a:lnRef>
+          <a:fillRef idx="1">
+            <a:schemeClr val="accent6"/>
+          </a:fillRef>
+          <a:effectRef idx="0">
+            <a:schemeClr val="accent6"/>
+          </a:effectRef>
+          <a:fontRef idx="minor">
+            <a:schemeClr val="lt1"/>
+          </a:fontRef>
+        </p:style>
+        <p:txBody>
+          <a:bodyPr rtlCol="0" anchor="ctr"/>
+          <a:lstStyle/>
+          <a:p>
+            <a:pPr algn="ctr"/>
+            <a:r>
+              <a:rPr lang="en-US" altLang="ko-KR" sz="1800" dirty="0">
+                <a:solidFill>
+                  <a:srgbClr val="0000FF"/>
+                </a:solidFill>
+                <a:highlight>
+                  <a:srgbClr val="FFFFFF"/>
+                </a:highlight>
+                <a:latin typeface="돋움체" panose="020B0609000101010101" pitchFamily="49" charset="-127"/>
+                <a:ea typeface="돋움체" panose="020B0609000101010101" pitchFamily="49" charset="-127"/>
+              </a:rPr>
+              <a:t>int</a:t>
+            </a:r>
+            <a:r>
+              <a:rPr lang="en-US" altLang="ko-KR" sz="1800" dirty="0">
+                <a:solidFill>
+                  <a:srgbClr val="000000"/>
+                </a:solidFill>
+                <a:highlight>
+                  <a:srgbClr val="FFFFFF"/>
+                </a:highlight>
+                <a:latin typeface="돋움체" panose="020B0609000101010101" pitchFamily="49" charset="-127"/>
+                <a:ea typeface="돋움체" panose="020B0609000101010101" pitchFamily="49" charset="-127"/>
+              </a:rPr>
+              <a:t> Value</a:t>
+            </a:r>
+            <a:endParaRPr lang="ko-KR" altLang="en-US" dirty="0"/>
+          </a:p>
+        </p:txBody>
+      </p:sp>
+      <mc:AlternateContent xmlns:mc="http://schemas.openxmlformats.org/markup-compatibility/2006">
+        <mc:Choice xmlns:p14="http://schemas.microsoft.com/office/powerpoint/2010/main" Requires="p14">
+          <p:contentPart p14:bwMode="auto" r:id="rId4">
+            <p14:nvContentPartPr>
+              <p14:cNvPr id="9" name="잉크 8">
+                <a:extLst>
+                  <a:ext uri="{FF2B5EF4-FFF2-40B4-BE49-F238E27FC236}">
+                    <a16:creationId xmlns:a16="http://schemas.microsoft.com/office/drawing/2014/main" id="{A0AE8D23-41BD-4DDA-DB6F-60EB752D6EBE}"/>
+                  </a:ext>
+                </a:extLst>
+              </p14:cNvPr>
+              <p14:cNvContentPartPr/>
+              <p14:nvPr/>
+            </p14:nvContentPartPr>
+            <p14:xfrm>
+              <a:off x="6726796" y="5476620"/>
+              <a:ext cx="4079880" cy="572400"/>
+            </p14:xfrm>
+          </p:contentPart>
+        </mc:Choice>
+        <mc:Fallback>
+          <p:pic>
+            <p:nvPicPr>
+              <p:cNvPr id="9" name="잉크 8">
+                <a:extLst>
+                  <a:ext uri="{FF2B5EF4-FFF2-40B4-BE49-F238E27FC236}">
+                    <a16:creationId xmlns:a16="http://schemas.microsoft.com/office/drawing/2014/main" id="{A0AE8D23-41BD-4DDA-DB6F-60EB752D6EBE}"/>
+                  </a:ext>
+                </a:extLst>
+              </p:cNvPr>
+              <p:cNvPicPr/>
+              <p:nvPr/>
+            </p:nvPicPr>
+            <p:blipFill>
+              <a:blip r:embed="rId5"/>
+              <a:stretch>
+                <a:fillRect/>
+              </a:stretch>
+            </p:blipFill>
+            <p:spPr>
+              <a:xfrm>
+                <a:off x="6720676" y="5470500"/>
+                <a:ext cx="4092120" cy="584640"/>
+              </a:xfrm>
+              <a:prstGeom prst="rect">
+                <a:avLst/>
+              </a:prstGeom>
+            </p:spPr>
+          </p:pic>
+        </mc:Fallback>
+      </mc:AlternateContent>
+      <p:pic>
+        <p:nvPicPr>
+          <p:cNvPr id="11" name="그림 10">
+            <a:extLst>
+              <a:ext uri="{FF2B5EF4-FFF2-40B4-BE49-F238E27FC236}">
+                <a16:creationId xmlns:a16="http://schemas.microsoft.com/office/drawing/2014/main" id="{6CEEAE15-A36B-37E8-73F3-ADBF73CDC03C}"/>
+              </a:ext>
+            </a:extLst>
+          </p:cNvPr>
+          <p:cNvPicPr>
+            <a:picLocks noChangeAspect="1"/>
+          </p:cNvPicPr>
+          <p:nvPr/>
+        </p:nvPicPr>
+        <p:blipFill>
+          <a:blip r:embed="rId6"/>
+          <a:stretch>
+            <a:fillRect/>
+          </a:stretch>
+        </p:blipFill>
+        <p:spPr>
+          <a:xfrm>
+            <a:off x="388622" y="-612113"/>
+            <a:ext cx="4525006" cy="2181529"/>
+          </a:xfrm>
+          <a:prstGeom prst="rect">
+            <a:avLst/>
+          </a:prstGeom>
+        </p:spPr>
+      </p:pic>
+      <mc:AlternateContent xmlns:mc="http://schemas.openxmlformats.org/markup-compatibility/2006">
+        <mc:Choice xmlns:p14="http://schemas.microsoft.com/office/powerpoint/2010/main" Requires="p14">
+          <p:contentPart p14:bwMode="auto" r:id="rId7">
+            <p14:nvContentPartPr>
+              <p14:cNvPr id="12" name="잉크 11">
+                <a:extLst>
+                  <a:ext uri="{FF2B5EF4-FFF2-40B4-BE49-F238E27FC236}">
+                    <a16:creationId xmlns:a16="http://schemas.microsoft.com/office/drawing/2014/main" id="{C79FA978-330D-15F1-D7E9-3F6CC48AC6FC}"/>
+                  </a:ext>
+                </a:extLst>
+              </p14:cNvPr>
+              <p14:cNvContentPartPr/>
+              <p14:nvPr/>
+            </p14:nvContentPartPr>
+            <p14:xfrm>
+              <a:off x="240540" y="-189940"/>
+              <a:ext cx="1271520" cy="699480"/>
+            </p14:xfrm>
+          </p:contentPart>
+        </mc:Choice>
+        <mc:Fallback>
+          <p:pic>
+            <p:nvPicPr>
+              <p:cNvPr id="12" name="잉크 11">
+                <a:extLst>
+                  <a:ext uri="{FF2B5EF4-FFF2-40B4-BE49-F238E27FC236}">
+                    <a16:creationId xmlns:a16="http://schemas.microsoft.com/office/drawing/2014/main" id="{C79FA978-330D-15F1-D7E9-3F6CC48AC6FC}"/>
+                  </a:ext>
+                </a:extLst>
+              </p:cNvPr>
+              <p:cNvPicPr/>
+              <p:nvPr/>
+            </p:nvPicPr>
+            <p:blipFill>
+              <a:blip r:embed="rId8"/>
+              <a:stretch>
+                <a:fillRect/>
+              </a:stretch>
+            </p:blipFill>
+            <p:spPr>
+              <a:xfrm>
+                <a:off x="234420" y="-196060"/>
+                <a:ext cx="1283760" cy="711720"/>
               </a:xfrm>
               <a:prstGeom prst="rect">
                 <a:avLst/>
@@ -4379,6 +7721,205 @@
           </p:pic>
         </mc:Fallback>
       </mc:AlternateContent>
+      <p:pic>
+        <p:nvPicPr>
+          <p:cNvPr id="7" name="그림 6">
+            <a:extLst>
+              <a:ext uri="{FF2B5EF4-FFF2-40B4-BE49-F238E27FC236}">
+                <a16:creationId xmlns:a16="http://schemas.microsoft.com/office/drawing/2014/main" id="{06E39440-6E39-0172-2CDA-B8C9D3D37CB2}"/>
+              </a:ext>
+            </a:extLst>
+          </p:cNvPr>
+          <p:cNvPicPr>
+            <a:picLocks noChangeAspect="1"/>
+          </p:cNvPicPr>
+          <p:nvPr/>
+        </p:nvPicPr>
+        <p:blipFill>
+          <a:blip r:embed="rId4"/>
+          <a:stretch>
+            <a:fillRect/>
+          </a:stretch>
+        </p:blipFill>
+        <p:spPr>
+          <a:xfrm>
+            <a:off x="504453" y="3847948"/>
+            <a:ext cx="5315692" cy="2172003"/>
+          </a:xfrm>
+          <a:prstGeom prst="rect">
+            <a:avLst/>
+          </a:prstGeom>
+        </p:spPr>
+      </p:pic>
+      <p:sp>
+        <p:nvSpPr>
+          <p:cNvPr id="8" name="TextBox 7">
+            <a:extLst>
+              <a:ext uri="{FF2B5EF4-FFF2-40B4-BE49-F238E27FC236}">
+                <a16:creationId xmlns:a16="http://schemas.microsoft.com/office/drawing/2014/main" id="{B0CDB694-FF48-1102-F8E5-D65E78197EC7}"/>
+              </a:ext>
+            </a:extLst>
+          </p:cNvPr>
+          <p:cNvSpPr txBox="1"/>
+          <p:nvPr/>
+        </p:nvSpPr>
+        <p:spPr>
+          <a:xfrm>
+            <a:off x="6934200" y="762000"/>
+            <a:ext cx="4256293" cy="3970318"/>
+          </a:xfrm>
+          <a:prstGeom prst="rect">
+            <a:avLst/>
+          </a:prstGeom>
+          <a:noFill/>
+        </p:spPr>
+        <p:txBody>
+          <a:bodyPr wrap="none" rtlCol="0">
+            <a:spAutoFit/>
+          </a:bodyPr>
+          <a:lstStyle/>
+          <a:p>
+            <a:r>
+              <a:rPr lang="en-US" altLang="ko-KR" dirty="0"/>
+              <a:t>Const</a:t>
+            </a:r>
+            <a:r>
+              <a:rPr lang="ko-KR" altLang="en-US" dirty="0"/>
+              <a:t>가 붙어있지 않은</a:t>
+            </a:r>
+            <a:endParaRPr lang="en-US" altLang="ko-KR" dirty="0"/>
+          </a:p>
+          <a:p>
+            <a:r>
+              <a:rPr lang="ko-KR" altLang="en-US" dirty="0"/>
+              <a:t>포인터나 레퍼런스를 사용하는</a:t>
+            </a:r>
+            <a:endParaRPr lang="en-US" altLang="ko-KR" dirty="0"/>
+          </a:p>
+          <a:p>
+            <a:r>
+              <a:rPr lang="ko-KR" altLang="en-US" dirty="0"/>
+              <a:t>함수가 보인다면</a:t>
+            </a:r>
+            <a:endParaRPr lang="en-US" altLang="ko-KR" dirty="0"/>
+          </a:p>
+          <a:p>
+            <a:endParaRPr lang="en-US" altLang="ko-KR" dirty="0"/>
+          </a:p>
+          <a:p>
+            <a:r>
+              <a:rPr lang="ko-KR" altLang="en-US" dirty="0"/>
+              <a:t>약속입니다</a:t>
+            </a:r>
+            <a:r>
+              <a:rPr lang="en-US" altLang="ko-KR" dirty="0"/>
+              <a:t>. </a:t>
+            </a:r>
+            <a:r>
+              <a:rPr lang="ko-KR" altLang="en-US" dirty="0"/>
+              <a:t>네가 값을 넣어주면</a:t>
+            </a:r>
+            <a:endParaRPr lang="en-US" altLang="ko-KR" dirty="0"/>
+          </a:p>
+          <a:p>
+            <a:r>
+              <a:rPr lang="ko-KR" altLang="en-US" dirty="0"/>
+              <a:t>그 값이 바뀌어서 나올 것이다</a:t>
+            </a:r>
+            <a:endParaRPr lang="en-US" altLang="ko-KR" dirty="0"/>
+          </a:p>
+          <a:p>
+            <a:r>
+              <a:rPr lang="ko-KR" altLang="en-US" dirty="0"/>
+              <a:t>라는 약속입니다</a:t>
+            </a:r>
+            <a:r>
+              <a:rPr lang="en-US" altLang="ko-KR" dirty="0"/>
+              <a:t>.</a:t>
+            </a:r>
+          </a:p>
+          <a:p>
+            <a:endParaRPr lang="en-US" altLang="ko-KR" dirty="0"/>
+          </a:p>
+          <a:p>
+            <a:r>
+              <a:rPr lang="ko-KR" altLang="en-US" dirty="0" err="1"/>
+              <a:t>안바뀌어서</a:t>
+            </a:r>
+            <a:r>
+              <a:rPr lang="ko-KR" altLang="en-US" dirty="0"/>
+              <a:t> 나오면 오히려 </a:t>
+            </a:r>
+            <a:endParaRPr lang="en-US" altLang="ko-KR" dirty="0"/>
+          </a:p>
+          <a:p>
+            <a:r>
+              <a:rPr lang="ko-KR" altLang="en-US" dirty="0"/>
+              <a:t>이상하게 생각합니다</a:t>
+            </a:r>
+            <a:r>
+              <a:rPr lang="en-US" altLang="ko-KR" dirty="0"/>
+              <a:t>.</a:t>
+            </a:r>
+          </a:p>
+          <a:p>
+            <a:endParaRPr lang="en-US" altLang="ko-KR" dirty="0"/>
+          </a:p>
+          <a:p>
+            <a:r>
+              <a:rPr lang="ko-KR" altLang="en-US" dirty="0"/>
+              <a:t>이미 의도를 보여준다</a:t>
+            </a:r>
+            <a:r>
+              <a:rPr lang="en-US" altLang="ko-KR" dirty="0"/>
+              <a:t>.</a:t>
+            </a:r>
+          </a:p>
+          <a:p>
+            <a:endParaRPr lang="en-US" altLang="ko-KR" dirty="0"/>
+          </a:p>
+          <a:p>
+            <a:r>
+              <a:rPr lang="ko-KR" altLang="en-US" dirty="0"/>
+              <a:t>네가 넣어준 메모리 영역을 수정하겠다</a:t>
+            </a:r>
+            <a:r>
+              <a:rPr lang="en-US" altLang="ko-KR" dirty="0"/>
+              <a:t>.</a:t>
+            </a:r>
+          </a:p>
+        </p:txBody>
+      </p:sp>
+      <p:pic>
+        <p:nvPicPr>
+          <p:cNvPr id="10" name="그림 9">
+            <a:extLst>
+              <a:ext uri="{FF2B5EF4-FFF2-40B4-BE49-F238E27FC236}">
+                <a16:creationId xmlns:a16="http://schemas.microsoft.com/office/drawing/2014/main" id="{44AB184B-323E-8192-44AE-DEDBF88E1819}"/>
+              </a:ext>
+            </a:extLst>
+          </p:cNvPr>
+          <p:cNvPicPr>
+            <a:picLocks noChangeAspect="1"/>
+          </p:cNvPicPr>
+          <p:nvPr/>
+        </p:nvPicPr>
+        <p:blipFill>
+          <a:blip r:embed="rId5"/>
+          <a:stretch>
+            <a:fillRect/>
+          </a:stretch>
+        </p:blipFill>
+        <p:spPr>
+          <a:xfrm>
+            <a:off x="433005" y="966591"/>
+            <a:ext cx="5458587" cy="2810267"/>
+          </a:xfrm>
+          <a:prstGeom prst="rect">
+            <a:avLst/>
+          </a:prstGeom>
+        </p:spPr>
+      </p:pic>
     </p:spTree>
     <p:extLst>
       <p:ext uri="{BB962C8B-B14F-4D97-AF65-F5344CB8AC3E}">
@@ -4460,6 +8001,221 @@
           </p:pic>
         </mc:Fallback>
       </mc:AlternateContent>
+      <p:pic>
+        <p:nvPicPr>
+          <p:cNvPr id="4" name="그림 3">
+            <a:extLst>
+              <a:ext uri="{FF2B5EF4-FFF2-40B4-BE49-F238E27FC236}">
+                <a16:creationId xmlns:a16="http://schemas.microsoft.com/office/drawing/2014/main" id="{C1BC5F29-3371-03DA-63E9-72BE0F8BA0A9}"/>
+              </a:ext>
+            </a:extLst>
+          </p:cNvPr>
+          <p:cNvPicPr>
+            <a:picLocks noChangeAspect="1"/>
+          </p:cNvPicPr>
+          <p:nvPr/>
+        </p:nvPicPr>
+        <p:blipFill>
+          <a:blip r:embed="rId4"/>
+          <a:stretch>
+            <a:fillRect/>
+          </a:stretch>
+        </p:blipFill>
+        <p:spPr>
+          <a:xfrm>
+            <a:off x="399683" y="214161"/>
+            <a:ext cx="5258534" cy="2162477"/>
+          </a:xfrm>
+          <a:prstGeom prst="rect">
+            <a:avLst/>
+          </a:prstGeom>
+        </p:spPr>
+      </p:pic>
+      <p:sp>
+        <p:nvSpPr>
+          <p:cNvPr id="5" name="TextBox 4">
+            <a:extLst>
+              <a:ext uri="{FF2B5EF4-FFF2-40B4-BE49-F238E27FC236}">
+                <a16:creationId xmlns:a16="http://schemas.microsoft.com/office/drawing/2014/main" id="{EAE04969-ADE8-0605-6380-C9CD06F6F1FE}"/>
+              </a:ext>
+            </a:extLst>
+          </p:cNvPr>
+          <p:cNvSpPr txBox="1"/>
+          <p:nvPr/>
+        </p:nvSpPr>
+        <p:spPr>
+          <a:xfrm>
+            <a:off x="6010275" y="480210"/>
+            <a:ext cx="5261377" cy="1477328"/>
+          </a:xfrm>
+          <a:prstGeom prst="rect">
+            <a:avLst/>
+          </a:prstGeom>
+          <a:noFill/>
+        </p:spPr>
+        <p:txBody>
+          <a:bodyPr wrap="none" rtlCol="0">
+            <a:spAutoFit/>
+          </a:bodyPr>
+          <a:lstStyle/>
+          <a:p>
+            <a:r>
+              <a:rPr lang="en-US" altLang="ko-KR" dirty="0"/>
+              <a:t>Const</a:t>
+            </a:r>
+            <a:r>
+              <a:rPr lang="ko-KR" altLang="en-US" dirty="0"/>
+              <a:t>가 붙어 있다면</a:t>
+            </a:r>
+            <a:endParaRPr lang="en-US" altLang="ko-KR" dirty="0"/>
+          </a:p>
+          <a:p>
+            <a:endParaRPr lang="en-US" altLang="ko-KR" dirty="0"/>
+          </a:p>
+          <a:p>
+            <a:r>
+              <a:rPr lang="ko-KR" altLang="en-US" dirty="0"/>
+              <a:t>넣어준</a:t>
+            </a:r>
+            <a:r>
+              <a:rPr lang="en-US" altLang="ko-KR" dirty="0"/>
+              <a:t> </a:t>
+            </a:r>
+            <a:r>
+              <a:rPr lang="ko-KR" altLang="en-US" dirty="0"/>
+              <a:t>메모리영역이 </a:t>
+            </a:r>
+            <a:endParaRPr lang="en-US" altLang="ko-KR" dirty="0"/>
+          </a:p>
+          <a:p>
+            <a:endParaRPr lang="en-US" altLang="ko-KR" dirty="0"/>
+          </a:p>
+          <a:p>
+            <a:r>
+              <a:rPr lang="ko-KR" altLang="en-US" dirty="0"/>
+              <a:t>바뀌지 않을 </a:t>
+            </a:r>
+            <a:r>
+              <a:rPr lang="ko-KR" altLang="en-US" dirty="0" err="1"/>
+              <a:t>것이다라는</a:t>
+            </a:r>
+            <a:r>
+              <a:rPr lang="ko-KR" altLang="en-US" dirty="0"/>
+              <a:t> 것을 표현하는 것입니다</a:t>
+            </a:r>
+            <a:r>
+              <a:rPr lang="en-US" altLang="ko-KR" dirty="0"/>
+              <a:t>.</a:t>
+            </a:r>
+          </a:p>
+        </p:txBody>
+      </p:sp>
+      <p:pic>
+        <p:nvPicPr>
+          <p:cNvPr id="9" name="그림 8">
+            <a:extLst>
+              <a:ext uri="{FF2B5EF4-FFF2-40B4-BE49-F238E27FC236}">
+                <a16:creationId xmlns:a16="http://schemas.microsoft.com/office/drawing/2014/main" id="{FC6DE92D-CF78-35DA-A65B-83631645AB16}"/>
+              </a:ext>
+            </a:extLst>
+          </p:cNvPr>
+          <p:cNvPicPr>
+            <a:picLocks noChangeAspect="1"/>
+          </p:cNvPicPr>
+          <p:nvPr/>
+        </p:nvPicPr>
+        <p:blipFill>
+          <a:blip r:embed="rId5"/>
+          <a:stretch>
+            <a:fillRect/>
+          </a:stretch>
+        </p:blipFill>
+        <p:spPr>
+          <a:xfrm>
+            <a:off x="223030" y="3852677"/>
+            <a:ext cx="11574490" cy="2657846"/>
+          </a:xfrm>
+          <a:prstGeom prst="rect">
+            <a:avLst/>
+          </a:prstGeom>
+        </p:spPr>
+      </p:pic>
+      <p:sp>
+        <p:nvSpPr>
+          <p:cNvPr id="10" name="TextBox 9">
+            <a:extLst>
+              <a:ext uri="{FF2B5EF4-FFF2-40B4-BE49-F238E27FC236}">
+                <a16:creationId xmlns:a16="http://schemas.microsoft.com/office/drawing/2014/main" id="{8D1B843C-ED17-2C6A-D265-4D51AA45E059}"/>
+              </a:ext>
+            </a:extLst>
+          </p:cNvPr>
+          <p:cNvSpPr txBox="1"/>
+          <p:nvPr/>
+        </p:nvSpPr>
+        <p:spPr>
+          <a:xfrm>
+            <a:off x="498189" y="2929347"/>
+            <a:ext cx="11024172" cy="923330"/>
+          </a:xfrm>
+          <a:prstGeom prst="rect">
+            <a:avLst/>
+          </a:prstGeom>
+          <a:noFill/>
+        </p:spPr>
+        <p:txBody>
+          <a:bodyPr wrap="none" rtlCol="0">
+            <a:spAutoFit/>
+          </a:bodyPr>
+          <a:lstStyle/>
+          <a:p>
+            <a:r>
+              <a:rPr lang="ko-KR" altLang="en-US" dirty="0"/>
+              <a:t>인자와 </a:t>
+            </a:r>
+            <a:r>
+              <a:rPr lang="ko-KR" altLang="en-US" dirty="0" err="1"/>
+              <a:t>리턴값을</a:t>
+            </a:r>
+            <a:r>
+              <a:rPr lang="ko-KR" altLang="en-US" dirty="0"/>
+              <a:t> 확인하면 </a:t>
+            </a:r>
+            <a:r>
+              <a:rPr lang="ko-KR" altLang="en-US" dirty="0" err="1"/>
+              <a:t>이녀석이</a:t>
+            </a:r>
+            <a:r>
+              <a:rPr lang="ko-KR" altLang="en-US" dirty="0"/>
+              <a:t> 어떻게 써야 하는 녀석인지 이미 보여야 한다</a:t>
+            </a:r>
+            <a:r>
+              <a:rPr lang="en-US" altLang="ko-KR" dirty="0"/>
+              <a:t>.</a:t>
+            </a:r>
+          </a:p>
+          <a:p>
+            <a:r>
+              <a:rPr lang="en-US" altLang="ko-KR" dirty="0"/>
+              <a:t>Const char* const </a:t>
+            </a:r>
+            <a:r>
+              <a:rPr lang="ko-KR" altLang="en-US" dirty="0"/>
+              <a:t>아 문자열 넣어준다는 것이다 그리고 넣어준 문자열을 일절 수정하지 않겠다는 의미를</a:t>
+            </a:r>
+            <a:endParaRPr lang="en-US" altLang="ko-KR" dirty="0"/>
+          </a:p>
+          <a:p>
+            <a:r>
+              <a:rPr lang="ko-KR" altLang="en-US" dirty="0"/>
+              <a:t>표시하고 있는 겁니다</a:t>
+            </a:r>
+            <a:r>
+              <a:rPr lang="en-US" altLang="ko-KR" dirty="0"/>
+              <a:t>.</a:t>
+            </a:r>
+          </a:p>
+        </p:txBody>
+      </p:sp>
     </p:spTree>
     <p:extLst>
       <p:ext uri="{BB962C8B-B14F-4D97-AF65-F5344CB8AC3E}">
@@ -4541,6 +8297,96 @@
           </p:pic>
         </mc:Fallback>
       </mc:AlternateContent>
+      <p:pic>
+        <p:nvPicPr>
+          <p:cNvPr id="4" name="그림 3">
+            <a:extLst>
+              <a:ext uri="{FF2B5EF4-FFF2-40B4-BE49-F238E27FC236}">
+                <a16:creationId xmlns:a16="http://schemas.microsoft.com/office/drawing/2014/main" id="{E6DD31AF-9FAC-35D6-7340-03F116B977F3}"/>
+              </a:ext>
+            </a:extLst>
+          </p:cNvPr>
+          <p:cNvPicPr>
+            <a:picLocks noChangeAspect="1"/>
+          </p:cNvPicPr>
+          <p:nvPr/>
+        </p:nvPicPr>
+        <p:blipFill>
+          <a:blip r:embed="rId4"/>
+          <a:stretch>
+            <a:fillRect/>
+          </a:stretch>
+        </p:blipFill>
+        <p:spPr>
+          <a:xfrm>
+            <a:off x="880399" y="4214973"/>
+            <a:ext cx="11640792" cy="2905323"/>
+          </a:xfrm>
+          <a:prstGeom prst="rect">
+            <a:avLst/>
+          </a:prstGeom>
+        </p:spPr>
+      </p:pic>
+      <p:pic>
+        <p:nvPicPr>
+          <p:cNvPr id="8" name="그림 7">
+            <a:extLst>
+              <a:ext uri="{FF2B5EF4-FFF2-40B4-BE49-F238E27FC236}">
+                <a16:creationId xmlns:a16="http://schemas.microsoft.com/office/drawing/2014/main" id="{29201EA6-D2C0-7D72-C9C2-5D6D27D3F768}"/>
+              </a:ext>
+            </a:extLst>
+          </p:cNvPr>
+          <p:cNvPicPr>
+            <a:picLocks noChangeAspect="1"/>
+          </p:cNvPicPr>
+          <p:nvPr/>
+        </p:nvPicPr>
+        <p:blipFill>
+          <a:blip r:embed="rId5"/>
+          <a:stretch>
+            <a:fillRect/>
+          </a:stretch>
+        </p:blipFill>
+        <p:spPr>
+          <a:xfrm>
+            <a:off x="4633333" y="466312"/>
+            <a:ext cx="8297433" cy="2962688"/>
+          </a:xfrm>
+          <a:prstGeom prst="rect">
+            <a:avLst/>
+          </a:prstGeom>
+        </p:spPr>
+      </p:pic>
+      <p:pic>
+        <p:nvPicPr>
+          <p:cNvPr id="10" name="그림 9">
+            <a:extLst>
+              <a:ext uri="{FF2B5EF4-FFF2-40B4-BE49-F238E27FC236}">
+                <a16:creationId xmlns:a16="http://schemas.microsoft.com/office/drawing/2014/main" id="{D14F6433-4DA2-891D-07E0-86F4486B54F6}"/>
+              </a:ext>
+            </a:extLst>
+          </p:cNvPr>
+          <p:cNvPicPr>
+            <a:picLocks noChangeAspect="1"/>
+          </p:cNvPicPr>
+          <p:nvPr/>
+        </p:nvPicPr>
+        <p:blipFill>
+          <a:blip r:embed="rId6"/>
+          <a:stretch>
+            <a:fillRect/>
+          </a:stretch>
+        </p:blipFill>
+        <p:spPr>
+          <a:xfrm>
+            <a:off x="-686638" y="466312"/>
+            <a:ext cx="4820323" cy="1971950"/>
+          </a:xfrm>
+          <a:prstGeom prst="rect">
+            <a:avLst/>
+          </a:prstGeom>
+        </p:spPr>
+      </p:pic>
     </p:spTree>
     <p:extLst>
       <p:ext uri="{BB962C8B-B14F-4D97-AF65-F5344CB8AC3E}">
@@ -4622,6 +8468,162 @@
           </p:pic>
         </mc:Fallback>
       </mc:AlternateContent>
+      <p:pic>
+        <p:nvPicPr>
+          <p:cNvPr id="6" name="그림 5">
+            <a:extLst>
+              <a:ext uri="{FF2B5EF4-FFF2-40B4-BE49-F238E27FC236}">
+                <a16:creationId xmlns:a16="http://schemas.microsoft.com/office/drawing/2014/main" id="{1CB60C4E-E1CA-5F82-578E-49C057FCDAB2}"/>
+              </a:ext>
+            </a:extLst>
+          </p:cNvPr>
+          <p:cNvPicPr>
+            <a:picLocks noChangeAspect="1"/>
+          </p:cNvPicPr>
+          <p:nvPr/>
+        </p:nvPicPr>
+        <p:blipFill>
+          <a:blip r:embed="rId4"/>
+          <a:stretch>
+            <a:fillRect/>
+          </a:stretch>
+        </p:blipFill>
+        <p:spPr>
+          <a:xfrm>
+            <a:off x="237572" y="137961"/>
+            <a:ext cx="7925906" cy="2162477"/>
+          </a:xfrm>
+          <a:prstGeom prst="rect">
+            <a:avLst/>
+          </a:prstGeom>
+        </p:spPr>
+      </p:pic>
+      <p:pic>
+        <p:nvPicPr>
+          <p:cNvPr id="8" name="그림 7">
+            <a:extLst>
+              <a:ext uri="{FF2B5EF4-FFF2-40B4-BE49-F238E27FC236}">
+                <a16:creationId xmlns:a16="http://schemas.microsoft.com/office/drawing/2014/main" id="{83660D09-E976-F516-156E-6B9994E6B14B}"/>
+              </a:ext>
+            </a:extLst>
+          </p:cNvPr>
+          <p:cNvPicPr>
+            <a:picLocks noChangeAspect="1"/>
+          </p:cNvPicPr>
+          <p:nvPr/>
+        </p:nvPicPr>
+        <p:blipFill>
+          <a:blip r:embed="rId5"/>
+          <a:stretch>
+            <a:fillRect/>
+          </a:stretch>
+        </p:blipFill>
+        <p:spPr>
+          <a:xfrm>
+            <a:off x="237572" y="2576349"/>
+            <a:ext cx="9783540" cy="2333951"/>
+          </a:xfrm>
+          <a:prstGeom prst="rect">
+            <a:avLst/>
+          </a:prstGeom>
+        </p:spPr>
+      </p:pic>
+      <p:sp>
+        <p:nvSpPr>
+          <p:cNvPr id="9" name="TextBox 8">
+            <a:extLst>
+              <a:ext uri="{FF2B5EF4-FFF2-40B4-BE49-F238E27FC236}">
+                <a16:creationId xmlns:a16="http://schemas.microsoft.com/office/drawing/2014/main" id="{641DC901-9A64-3A61-983A-9C46D0DF63DC}"/>
+              </a:ext>
+            </a:extLst>
+          </p:cNvPr>
+          <p:cNvSpPr txBox="1"/>
+          <p:nvPr/>
+        </p:nvSpPr>
+        <p:spPr>
+          <a:xfrm>
+            <a:off x="495300" y="5242711"/>
+            <a:ext cx="7523085" cy="646331"/>
+          </a:xfrm>
+          <a:prstGeom prst="rect">
+            <a:avLst/>
+          </a:prstGeom>
+          <a:noFill/>
+        </p:spPr>
+        <p:txBody>
+          <a:bodyPr wrap="none" rtlCol="0">
+            <a:spAutoFit/>
+          </a:bodyPr>
+          <a:lstStyle/>
+          <a:p>
+            <a:r>
+              <a:rPr lang="en-US" altLang="ko-KR" dirty="0"/>
+              <a:t>Void </a:t>
+            </a:r>
+            <a:r>
+              <a:rPr lang="ko-KR" altLang="en-US" dirty="0"/>
+              <a:t>같은 경우에는 </a:t>
+            </a:r>
+            <a:r>
+              <a:rPr lang="en-US" altLang="ko-KR" dirty="0"/>
+              <a:t>return</a:t>
+            </a:r>
+            <a:r>
+              <a:rPr lang="ko-KR" altLang="en-US" dirty="0"/>
+              <a:t>을 생략해도 된다</a:t>
+            </a:r>
+            <a:r>
+              <a:rPr lang="en-US" altLang="ko-KR" dirty="0"/>
+              <a:t>. </a:t>
+            </a:r>
+            <a:r>
+              <a:rPr lang="ko-KR" altLang="en-US" dirty="0"/>
+              <a:t>하지만 명시적으로 한다면</a:t>
+            </a:r>
+            <a:endParaRPr lang="en-US" altLang="ko-KR" dirty="0"/>
+          </a:p>
+          <a:p>
+            <a:r>
+              <a:rPr lang="ko-KR" altLang="en-US" dirty="0"/>
+              <a:t>그리고 선생님은 무조건 명시적으로 합니다</a:t>
+            </a:r>
+            <a:r>
+              <a:rPr lang="en-US" altLang="ko-KR" dirty="0"/>
+              <a:t>.</a:t>
+            </a:r>
+          </a:p>
+        </p:txBody>
+      </p:sp>
+      <p:pic>
+        <p:nvPicPr>
+          <p:cNvPr id="11" name="그림 10">
+            <a:extLst>
+              <a:ext uri="{FF2B5EF4-FFF2-40B4-BE49-F238E27FC236}">
+                <a16:creationId xmlns:a16="http://schemas.microsoft.com/office/drawing/2014/main" id="{461C907A-19C7-1231-A7A8-D99C71CBE86E}"/>
+              </a:ext>
+            </a:extLst>
+          </p:cNvPr>
+          <p:cNvPicPr>
+            <a:picLocks noChangeAspect="1"/>
+          </p:cNvPicPr>
+          <p:nvPr/>
+        </p:nvPicPr>
+        <p:blipFill>
+          <a:blip r:embed="rId6"/>
+          <a:stretch>
+            <a:fillRect/>
+          </a:stretch>
+        </p:blipFill>
+        <p:spPr>
+          <a:xfrm>
+            <a:off x="328246" y="6029636"/>
+            <a:ext cx="5249008" cy="2057687"/>
+          </a:xfrm>
+          <a:prstGeom prst="rect">
+            <a:avLst/>
+          </a:prstGeom>
+        </p:spPr>
+      </p:pic>
     </p:spTree>
     <p:extLst>
       <p:ext uri="{BB962C8B-B14F-4D97-AF65-F5344CB8AC3E}">
